--- a/CommonSubBehavior.pptx
+++ b/CommonSubBehavior.pptx
@@ -13,6 +13,7 @@
     <p:sldId id="261" r:id="rId7"/>
     <p:sldId id="262" r:id="rId8"/>
     <p:sldId id="263" r:id="rId9"/>
+    <p:sldId id="264" r:id="rId10"/>
   </p:sldIdLst>
   <p:sldSz cx="12192000" cy="6858000"/>
   <p:notesSz cx="6858000" cy="9144000"/>
@@ -111,6 +112,11 @@
       </a:defRPr>
     </a:lvl9pPr>
   </p:defaultTextStyle>
+  <p:extLst>
+    <p:ext uri="{EFAFB233-063F-42B5-8137-9DF3F51BA10A}">
+      <p15:sldGuideLst xmlns:p15="http://schemas.microsoft.com/office/powerpoint/2012/main"/>
+    </p:ext>
+  </p:extLst>
 </p:presentation>
 </file>
 
@@ -4390,7 +4396,7 @@
           <a:p>
             <a:fld id="{B646B901-C666-458B-9048-40AC79D86E41}" type="datetimeFigureOut">
               <a:rPr lang="pt-PT" smtClean="0"/>
-              <a:t>08/11/2018</a:t>
+              <a:t>04/12/2018</a:t>
             </a:fld>
             <a:endParaRPr lang="pt-PT"/>
           </a:p>
@@ -4657,7 +4663,7 @@
           <a:p>
             <a:fld id="{B646B901-C666-458B-9048-40AC79D86E41}" type="datetimeFigureOut">
               <a:rPr lang="pt-PT" smtClean="0"/>
-              <a:t>08/11/2018</a:t>
+              <a:t>04/12/2018</a:t>
             </a:fld>
             <a:endParaRPr lang="pt-PT"/>
           </a:p>
@@ -4853,7 +4859,7 @@
           <a:p>
             <a:fld id="{B646B901-C666-458B-9048-40AC79D86E41}" type="datetimeFigureOut">
               <a:rPr lang="pt-PT" smtClean="0"/>
-              <a:t>08/11/2018</a:t>
+              <a:t>04/12/2018</a:t>
             </a:fld>
             <a:endParaRPr lang="pt-PT"/>
           </a:p>
@@ -5116,7 +5122,7 @@
           <a:p>
             <a:fld id="{B646B901-C666-458B-9048-40AC79D86E41}" type="datetimeFigureOut">
               <a:rPr lang="pt-PT" smtClean="0"/>
-              <a:t>08/11/2018</a:t>
+              <a:t>04/12/2018</a:t>
             </a:fld>
             <a:endParaRPr lang="pt-PT"/>
           </a:p>
@@ -5550,7 +5556,7 @@
           <a:p>
             <a:fld id="{B646B901-C666-458B-9048-40AC79D86E41}" type="datetimeFigureOut">
               <a:rPr lang="pt-PT" smtClean="0"/>
-              <a:t>08/11/2018</a:t>
+              <a:t>04/12/2018</a:t>
             </a:fld>
             <a:endParaRPr lang="pt-PT"/>
           </a:p>
@@ -6096,7 +6102,7 @@
           <a:p>
             <a:fld id="{B646B901-C666-458B-9048-40AC79D86E41}" type="datetimeFigureOut">
               <a:rPr lang="pt-PT" smtClean="0"/>
-              <a:t>08/11/2018</a:t>
+              <a:t>04/12/2018</a:t>
             </a:fld>
             <a:endParaRPr lang="pt-PT"/>
           </a:p>
@@ -6816,7 +6822,7 @@
           <a:p>
             <a:fld id="{B646B901-C666-458B-9048-40AC79D86E41}" type="datetimeFigureOut">
               <a:rPr lang="pt-PT" smtClean="0"/>
-              <a:t>08/11/2018</a:t>
+              <a:t>04/12/2018</a:t>
             </a:fld>
             <a:endParaRPr lang="pt-PT"/>
           </a:p>
@@ -6986,7 +6992,7 @@
           <a:p>
             <a:fld id="{B646B901-C666-458B-9048-40AC79D86E41}" type="datetimeFigureOut">
               <a:rPr lang="pt-PT" smtClean="0"/>
-              <a:t>08/11/2018</a:t>
+              <a:t>04/12/2018</a:t>
             </a:fld>
             <a:endParaRPr lang="pt-PT"/>
           </a:p>
@@ -7166,7 +7172,7 @@
           <a:p>
             <a:fld id="{B646B901-C666-458B-9048-40AC79D86E41}" type="datetimeFigureOut">
               <a:rPr lang="pt-PT" smtClean="0"/>
-              <a:t>08/11/2018</a:t>
+              <a:t>04/12/2018</a:t>
             </a:fld>
             <a:endParaRPr lang="pt-PT"/>
           </a:p>
@@ -7336,7 +7342,7 @@
           <a:p>
             <a:fld id="{B646B901-C666-458B-9048-40AC79D86E41}" type="datetimeFigureOut">
               <a:rPr lang="pt-PT" smtClean="0"/>
-              <a:t>08/11/2018</a:t>
+              <a:t>04/12/2018</a:t>
             </a:fld>
             <a:endParaRPr lang="pt-PT"/>
           </a:p>
@@ -7586,7 +7592,7 @@
           <a:p>
             <a:fld id="{B646B901-C666-458B-9048-40AC79D86E41}" type="datetimeFigureOut">
               <a:rPr lang="pt-PT" smtClean="0"/>
-              <a:t>08/11/2018</a:t>
+              <a:t>04/12/2018</a:t>
             </a:fld>
             <a:endParaRPr lang="pt-PT"/>
           </a:p>
@@ -7818,7 +7824,7 @@
           <a:p>
             <a:fld id="{B646B901-C666-458B-9048-40AC79D86E41}" type="datetimeFigureOut">
               <a:rPr lang="pt-PT" smtClean="0"/>
-              <a:t>08/11/2018</a:t>
+              <a:t>04/12/2018</a:t>
             </a:fld>
             <a:endParaRPr lang="pt-PT"/>
           </a:p>
@@ -8199,7 +8205,7 @@
           <a:p>
             <a:fld id="{B646B901-C666-458B-9048-40AC79D86E41}" type="datetimeFigureOut">
               <a:rPr lang="pt-PT" smtClean="0"/>
-              <a:t>08/11/2018</a:t>
+              <a:t>04/12/2018</a:t>
             </a:fld>
             <a:endParaRPr lang="pt-PT"/>
           </a:p>
@@ -8317,7 +8323,7 @@
           <a:p>
             <a:fld id="{B646B901-C666-458B-9048-40AC79D86E41}" type="datetimeFigureOut">
               <a:rPr lang="pt-PT" smtClean="0"/>
-              <a:t>08/11/2018</a:t>
+              <a:t>04/12/2018</a:t>
             </a:fld>
             <a:endParaRPr lang="pt-PT"/>
           </a:p>
@@ -8412,7 +8418,7 @@
           <a:p>
             <a:fld id="{B646B901-C666-458B-9048-40AC79D86E41}" type="datetimeFigureOut">
               <a:rPr lang="pt-PT" smtClean="0"/>
-              <a:t>08/11/2018</a:t>
+              <a:t>04/12/2018</a:t>
             </a:fld>
             <a:endParaRPr lang="pt-PT"/>
           </a:p>
@@ -8661,7 +8667,7 @@
           <a:p>
             <a:fld id="{B646B901-C666-458B-9048-40AC79D86E41}" type="datetimeFigureOut">
               <a:rPr lang="pt-PT" smtClean="0"/>
-              <a:t>08/11/2018</a:t>
+              <a:t>04/12/2018</a:t>
             </a:fld>
             <a:endParaRPr lang="pt-PT"/>
           </a:p>
@@ -8941,7 +8947,7 @@
           <a:p>
             <a:fld id="{B646B901-C666-458B-9048-40AC79D86E41}" type="datetimeFigureOut">
               <a:rPr lang="pt-PT" smtClean="0"/>
-              <a:t>08/11/2018</a:t>
+              <a:t>04/12/2018</a:t>
             </a:fld>
             <a:endParaRPr lang="pt-PT"/>
           </a:p>
@@ -12018,7 +12024,7 @@
           <a:p>
             <a:fld id="{B646B901-C666-458B-9048-40AC79D86E41}" type="datetimeFigureOut">
               <a:rPr lang="pt-PT" smtClean="0"/>
-              <a:t>08/11/2018</a:t>
+              <a:t>04/12/2018</a:t>
             </a:fld>
             <a:endParaRPr lang="pt-PT"/>
           </a:p>
@@ -34447,6 +34453,3658 @@
 </p:sld>
 </file>
 
+<file path=ppt/slides/slide9.xml><?xml version="1.0" encoding="utf-8"?>
+<p:sld xmlns:a="http://schemas.openxmlformats.org/drawingml/2006/main" xmlns:r="http://schemas.openxmlformats.org/officeDocument/2006/relationships" xmlns:p="http://schemas.openxmlformats.org/presentationml/2006/main">
+  <p:cSld>
+    <p:bg>
+      <p:bgPr>
+        <a:blipFill>
+          <a:blip r:embed="rId2">
+            <a:duotone>
+              <a:schemeClr val="bg1">
+                <a:shade val="88000"/>
+                <a:hueMod val="106000"/>
+                <a:satMod val="140000"/>
+                <a:lumMod val="54000"/>
+              </a:schemeClr>
+              <a:schemeClr val="bg1">
+                <a:tint val="98000"/>
+                <a:hueMod val="90000"/>
+                <a:satMod val="150000"/>
+                <a:lumMod val="160000"/>
+              </a:schemeClr>
+            </a:duotone>
+            <a:extLst/>
+          </a:blip>
+          <a:stretch/>
+        </a:blipFill>
+        <a:effectLst/>
+      </p:bgPr>
+    </p:bg>
+    <p:spTree>
+      <p:nvGrpSpPr>
+        <p:cNvPr id="1" name=""/>
+        <p:cNvGrpSpPr/>
+        <p:nvPr/>
+      </p:nvGrpSpPr>
+      <p:grpSpPr>
+        <a:xfrm>
+          <a:off x="0" y="0"/>
+          <a:ext cx="0" cy="0"/>
+          <a:chOff x="0" y="0"/>
+          <a:chExt cx="0" cy="0"/>
+        </a:xfrm>
+      </p:grpSpPr>
+      <p:sp useBgFill="1">
+        <p:nvSpPr>
+          <p:cNvPr id="8" name="Rectangle 7">
+            <a:extLst>
+              <a:ext uri="{FF2B5EF4-FFF2-40B4-BE49-F238E27FC236}">
+                <a16:creationId xmlns:a16="http://schemas.microsoft.com/office/drawing/2014/main" id="{E9B448F0-DA06-4165-AB5F-4330A20E06D0}"/>
+              </a:ext>
+              <a:ext uri="{C183D7F6-B498-43B3-948B-1728B52AA6E4}">
+                <adec:decorative xmlns:adec="http://schemas.microsoft.com/office/drawing/2017/decorative" val="1"/>
+              </a:ext>
+            </a:extLst>
+          </p:cNvPr>
+          <p:cNvSpPr>
+            <a:spLocks noGrp="1" noRot="1" noChangeAspect="1" noMove="1" noResize="1" noEditPoints="1" noAdjustHandles="1" noChangeArrowheads="1" noChangeShapeType="1" noTextEdit="1"/>
+          </p:cNvSpPr>
+          <p:nvPr>
+            <p:extLst>
+              <p:ext uri="{386F3935-93C4-4BCD-93E2-E3B085C9AB24}">
+                <p16:designElem xmlns:p16="http://schemas.microsoft.com/office/powerpoint/2015/main" val="1"/>
+              </p:ext>
+            </p:extLst>
+          </p:nvPr>
+        </p:nvSpPr>
+        <p:spPr>
+          <a:xfrm>
+            <a:off x="1" y="-1"/>
+            <a:ext cx="12192000" cy="6858000"/>
+          </a:xfrm>
+          <a:prstGeom prst="rect">
+            <a:avLst/>
+          </a:prstGeom>
+          <a:ln>
+            <a:noFill/>
+          </a:ln>
+        </p:spPr>
+        <p:style>
+          <a:lnRef idx="2">
+            <a:schemeClr val="accent1">
+              <a:shade val="50000"/>
+            </a:schemeClr>
+          </a:lnRef>
+          <a:fillRef idx="1">
+            <a:schemeClr val="accent1"/>
+          </a:fillRef>
+          <a:effectRef idx="0">
+            <a:schemeClr val="accent1"/>
+          </a:effectRef>
+          <a:fontRef idx="minor">
+            <a:schemeClr val="lt1"/>
+          </a:fontRef>
+        </p:style>
+        <p:txBody>
+          <a:bodyPr rtlCol="0" anchor="ctr"/>
+          <a:lstStyle/>
+          <a:p>
+            <a:pPr algn="ctr"/>
+            <a:endParaRPr lang="en-US"/>
+          </a:p>
+        </p:txBody>
+      </p:sp>
+      <p:pic>
+        <p:nvPicPr>
+          <p:cNvPr id="10" name="Picture 2">
+            <a:extLst>
+              <a:ext uri="{FF2B5EF4-FFF2-40B4-BE49-F238E27FC236}">
+                <a16:creationId xmlns:a16="http://schemas.microsoft.com/office/drawing/2014/main" id="{92D83638-A467-411A-9C31-FE9A111CD885}"/>
+              </a:ext>
+              <a:ext uri="{C183D7F6-B498-43B3-948B-1728B52AA6E4}">
+                <adec:decorative xmlns:adec="http://schemas.microsoft.com/office/drawing/2017/decorative" val="1"/>
+              </a:ext>
+            </a:extLst>
+          </p:cNvPr>
+          <p:cNvPicPr>
+            <a:picLocks noGrp="1" noRot="1" noChangeAspect="1" noMove="1" noResize="1" noEditPoints="1" noAdjustHandles="1" noChangeArrowheads="1" noChangeShapeType="1" noCrop="1"/>
+          </p:cNvPicPr>
+          <p:nvPr>
+            <p:extLst>
+              <p:ext uri="{386F3935-93C4-4BCD-93E2-E3B085C9AB24}">
+                <p16:designElem xmlns:p16="http://schemas.microsoft.com/office/powerpoint/2015/main" val="1"/>
+              </p:ext>
+            </p:extLst>
+          </p:nvPr>
+        </p:nvPicPr>
+        <p:blipFill>
+          <a:blip r:embed="rId3">
+            <a:alphaModFix amt="30000"/>
+            <a:duotone>
+              <a:prstClr val="black"/>
+              <a:schemeClr val="tx2">
+                <a:tint val="45000"/>
+                <a:satMod val="400000"/>
+              </a:schemeClr>
+            </a:duotone>
+            <a:extLst>
+              <a:ext uri="{28A0092B-C50C-407E-A947-70E740481C1C}">
+                <a14:useLocalDpi xmlns:a14="http://schemas.microsoft.com/office/drawing/2010/main" val="0"/>
+              </a:ext>
+            </a:extLst>
+          </a:blip>
+          <a:srcRect/>
+          <a:stretch>
+            <a:fillRect/>
+          </a:stretch>
+        </p:blipFill>
+        <p:spPr bwMode="auto">
+          <a:xfrm>
+            <a:off x="0" y="0"/>
+            <a:ext cx="12192003" cy="6858001"/>
+          </a:xfrm>
+          <a:prstGeom prst="rect">
+            <a:avLst/>
+          </a:prstGeom>
+          <a:noFill/>
+          <a:extLst>
+            <a:ext uri="{909E8E84-426E-40dd-AFC4-6F175D3DCCD1}">
+              <a14:hiddenFill xmlns="" xmlns:a16="http://schemas.microsoft.com/office/drawing/2014/main" xmlns:p14="http://schemas.microsoft.com/office/powerpoint/2010/main" xmlns:a14="http://schemas.microsoft.com/office/drawing/2010/main">
+                <a:solidFill>
+                  <a:srgbClr val="FFFFFF"/>
+                </a:solidFill>
+              </a14:hiddenFill>
+            </a:ext>
+          </a:extLst>
+        </p:spPr>
+      </p:pic>
+      <p:grpSp>
+        <p:nvGrpSpPr>
+          <p:cNvPr id="12" name="Group 11">
+            <a:extLst>
+              <a:ext uri="{FF2B5EF4-FFF2-40B4-BE49-F238E27FC236}">
+                <a16:creationId xmlns:a16="http://schemas.microsoft.com/office/drawing/2014/main" id="{2576BCDF-119F-4EB5-83D7-ED823C93EBBD}"/>
+              </a:ext>
+              <a:ext uri="{C183D7F6-B498-43B3-948B-1728B52AA6E4}">
+                <adec:decorative xmlns:adec="http://schemas.microsoft.com/office/drawing/2017/decorative" val="1"/>
+              </a:ext>
+            </a:extLst>
+          </p:cNvPr>
+          <p:cNvGrpSpPr>
+            <a:grpSpLocks noGrp="1" noUngrp="1" noRot="1" noChangeAspect="1" noMove="1" noResize="1"/>
+          </p:cNvGrpSpPr>
+          <p:nvPr>
+            <p:extLst>
+              <p:ext uri="{386F3935-93C4-4BCD-93E2-E3B085C9AB24}">
+                <p16:designElem xmlns:p16="http://schemas.microsoft.com/office/powerpoint/2015/main" val="1"/>
+              </p:ext>
+            </p:extLst>
+          </p:nvPr>
+        </p:nvGrpSpPr>
+        <p:grpSpPr>
+          <a:xfrm>
+            <a:off x="0" y="0"/>
+            <a:ext cx="1220788" cy="6858001"/>
+            <a:chOff x="-14288" y="0"/>
+            <a:chExt cx="1220788" cy="6858001"/>
+          </a:xfrm>
+          <a:solidFill>
+            <a:schemeClr val="tx2">
+              <a:alpha val="45000"/>
+            </a:schemeClr>
+          </a:solidFill>
+        </p:grpSpPr>
+        <p:sp>
+          <p:nvSpPr>
+            <p:cNvPr id="13" name="Rectangle 5">
+              <a:extLst>
+                <a:ext uri="{FF2B5EF4-FFF2-40B4-BE49-F238E27FC236}">
+                  <a16:creationId xmlns:a16="http://schemas.microsoft.com/office/drawing/2014/main" id="{43D63E8F-FD8A-4CE3-B7C9-3E9E2B66B5FD}"/>
+                </a:ext>
+                <a:ext uri="{C183D7F6-B498-43B3-948B-1728B52AA6E4}">
+                  <adec:decorative xmlns:adec="http://schemas.microsoft.com/office/drawing/2017/decorative" val="1"/>
+                </a:ext>
+              </a:extLst>
+            </p:cNvPr>
+            <p:cNvSpPr>
+              <a:spLocks noChangeArrowheads="1"/>
+            </p:cNvSpPr>
+            <p:nvPr>
+              <p:extLst>
+                <p:ext uri="{386F3935-93C4-4BCD-93E2-E3B085C9AB24}">
+                  <p16:designElem xmlns:p16="http://schemas.microsoft.com/office/powerpoint/2015/main" val="1"/>
+                </p:ext>
+              </p:extLst>
+            </p:nvPr>
+          </p:nvSpPr>
+          <p:spPr bwMode="auto">
+            <a:xfrm>
+              <a:off x="114300" y="4763"/>
+              <a:ext cx="23813" cy="2181225"/>
+            </a:xfrm>
+            <a:prstGeom prst="rect">
+              <a:avLst/>
+            </a:prstGeom>
+            <a:grpFill/>
+            <a:ln>
+              <a:noFill/>
+            </a:ln>
+            <a:extLst>
+              <a:ext uri="{91240B29-F687-4f45-9708-019B960494DF}">
+                <a14:hiddenLine xmlns="" xmlns:a16="http://schemas.microsoft.com/office/drawing/2014/main" xmlns:p14="http://schemas.microsoft.com/office/powerpoint/2010/main" xmlns:a14="http://schemas.microsoft.com/office/drawing/2010/main" w="9525">
+                  <a:solidFill>
+                    <a:srgbClr val="000000"/>
+                  </a:solidFill>
+                  <a:miter lim="800000"/>
+                  <a:headEnd/>
+                  <a:tailEnd/>
+                </a14:hiddenLine>
+              </a:ext>
+            </a:extLst>
+          </p:spPr>
+        </p:sp>
+        <p:sp>
+          <p:nvSpPr>
+            <p:cNvPr id="14" name="Freeform 6">
+              <a:extLst>
+                <a:ext uri="{FF2B5EF4-FFF2-40B4-BE49-F238E27FC236}">
+                  <a16:creationId xmlns:a16="http://schemas.microsoft.com/office/drawing/2014/main" id="{D107D890-1831-46D8-90FB-F2FC0B28841D}"/>
+                </a:ext>
+                <a:ext uri="{C183D7F6-B498-43B3-948B-1728B52AA6E4}">
+                  <adec:decorative xmlns:adec="http://schemas.microsoft.com/office/drawing/2017/decorative" val="1"/>
+                </a:ext>
+              </a:extLst>
+            </p:cNvPr>
+            <p:cNvSpPr>
+              <a:spLocks noEditPoints="1"/>
+            </p:cNvSpPr>
+            <p:nvPr>
+              <p:extLst>
+                <p:ext uri="{386F3935-93C4-4BCD-93E2-E3B085C9AB24}">
+                  <p16:designElem xmlns:p16="http://schemas.microsoft.com/office/powerpoint/2015/main" val="1"/>
+                </p:ext>
+              </p:extLst>
+            </p:nvPr>
+          </p:nvSpPr>
+          <p:spPr bwMode="auto">
+            <a:xfrm>
+              <a:off x="33337" y="2176463"/>
+              <a:ext cx="190500" cy="190500"/>
+            </a:xfrm>
+            <a:custGeom>
+              <a:avLst/>
+              <a:gdLst/>
+              <a:ahLst/>
+              <a:cxnLst/>
+              <a:rect l="0" t="0" r="r" b="b"/>
+              <a:pathLst>
+                <a:path w="40" h="40">
+                  <a:moveTo>
+                    <a:pt x="20" y="40"/>
+                  </a:moveTo>
+                  <a:cubicBezTo>
+                    <a:pt x="9" y="40"/>
+                    <a:pt x="0" y="31"/>
+                    <a:pt x="0" y="20"/>
+                  </a:cubicBezTo>
+                  <a:cubicBezTo>
+                    <a:pt x="0" y="9"/>
+                    <a:pt x="9" y="0"/>
+                    <a:pt x="20" y="0"/>
+                  </a:cubicBezTo>
+                  <a:cubicBezTo>
+                    <a:pt x="31" y="0"/>
+                    <a:pt x="40" y="9"/>
+                    <a:pt x="40" y="20"/>
+                  </a:cubicBezTo>
+                  <a:cubicBezTo>
+                    <a:pt x="40" y="31"/>
+                    <a:pt x="31" y="40"/>
+                    <a:pt x="20" y="40"/>
+                  </a:cubicBezTo>
+                  <a:close/>
+                  <a:moveTo>
+                    <a:pt x="20" y="4"/>
+                  </a:moveTo>
+                  <a:cubicBezTo>
+                    <a:pt x="11" y="4"/>
+                    <a:pt x="4" y="11"/>
+                    <a:pt x="4" y="20"/>
+                  </a:cubicBezTo>
+                  <a:cubicBezTo>
+                    <a:pt x="4" y="29"/>
+                    <a:pt x="11" y="36"/>
+                    <a:pt x="20" y="36"/>
+                  </a:cubicBezTo>
+                  <a:cubicBezTo>
+                    <a:pt x="28" y="36"/>
+                    <a:pt x="36" y="29"/>
+                    <a:pt x="36" y="20"/>
+                  </a:cubicBezTo>
+                  <a:cubicBezTo>
+                    <a:pt x="36" y="11"/>
+                    <a:pt x="28" y="4"/>
+                    <a:pt x="20" y="4"/>
+                  </a:cubicBezTo>
+                  <a:close/>
+                </a:path>
+              </a:pathLst>
+            </a:custGeom>
+            <a:grpFill/>
+            <a:ln>
+              <a:noFill/>
+            </a:ln>
+            <a:extLst>
+              <a:ext uri="{91240B29-F687-4f45-9708-019B960494DF}">
+                <a14:hiddenLine xmlns="" xmlns:a16="http://schemas.microsoft.com/office/drawing/2014/main" xmlns:p14="http://schemas.microsoft.com/office/powerpoint/2010/main" xmlns:a14="http://schemas.microsoft.com/office/drawing/2010/main" w="9525">
+                  <a:solidFill>
+                    <a:srgbClr val="000000"/>
+                  </a:solidFill>
+                  <a:round/>
+                  <a:headEnd/>
+                  <a:tailEnd/>
+                </a14:hiddenLine>
+              </a:ext>
+            </a:extLst>
+          </p:spPr>
+        </p:sp>
+        <p:sp>
+          <p:nvSpPr>
+            <p:cNvPr id="15" name="Freeform 7">
+              <a:extLst>
+                <a:ext uri="{FF2B5EF4-FFF2-40B4-BE49-F238E27FC236}">
+                  <a16:creationId xmlns:a16="http://schemas.microsoft.com/office/drawing/2014/main" id="{02440904-A4EC-4F72-8E22-AAF4D9DB5C1B}"/>
+                </a:ext>
+                <a:ext uri="{C183D7F6-B498-43B3-948B-1728B52AA6E4}">
+                  <adec:decorative xmlns:adec="http://schemas.microsoft.com/office/drawing/2017/decorative" val="1"/>
+                </a:ext>
+              </a:extLst>
+            </p:cNvPr>
+            <p:cNvSpPr>
+              <a:spLocks noEditPoints="1"/>
+            </p:cNvSpPr>
+            <p:nvPr>
+              <p:extLst>
+                <p:ext uri="{386F3935-93C4-4BCD-93E2-E3B085C9AB24}">
+                  <p16:designElem xmlns:p16="http://schemas.microsoft.com/office/powerpoint/2015/main" val="1"/>
+                </p:ext>
+              </p:extLst>
+            </p:nvPr>
+          </p:nvSpPr>
+          <p:spPr bwMode="auto">
+            <a:xfrm>
+              <a:off x="28575" y="4021138"/>
+              <a:ext cx="190500" cy="188913"/>
+            </a:xfrm>
+            <a:custGeom>
+              <a:avLst/>
+              <a:gdLst/>
+              <a:ahLst/>
+              <a:cxnLst/>
+              <a:rect l="0" t="0" r="r" b="b"/>
+              <a:pathLst>
+                <a:path w="40" h="40">
+                  <a:moveTo>
+                    <a:pt x="20" y="40"/>
+                  </a:moveTo>
+                  <a:cubicBezTo>
+                    <a:pt x="9" y="40"/>
+                    <a:pt x="0" y="31"/>
+                    <a:pt x="0" y="20"/>
+                  </a:cubicBezTo>
+                  <a:cubicBezTo>
+                    <a:pt x="0" y="9"/>
+                    <a:pt x="9" y="0"/>
+                    <a:pt x="20" y="0"/>
+                  </a:cubicBezTo>
+                  <a:cubicBezTo>
+                    <a:pt x="31" y="0"/>
+                    <a:pt x="40" y="9"/>
+                    <a:pt x="40" y="20"/>
+                  </a:cubicBezTo>
+                  <a:cubicBezTo>
+                    <a:pt x="40" y="31"/>
+                    <a:pt x="31" y="40"/>
+                    <a:pt x="20" y="40"/>
+                  </a:cubicBezTo>
+                  <a:close/>
+                  <a:moveTo>
+                    <a:pt x="20" y="4"/>
+                  </a:moveTo>
+                  <a:cubicBezTo>
+                    <a:pt x="12" y="4"/>
+                    <a:pt x="4" y="11"/>
+                    <a:pt x="4" y="20"/>
+                  </a:cubicBezTo>
+                  <a:cubicBezTo>
+                    <a:pt x="4" y="29"/>
+                    <a:pt x="12" y="36"/>
+                    <a:pt x="20" y="36"/>
+                  </a:cubicBezTo>
+                  <a:cubicBezTo>
+                    <a:pt x="29" y="36"/>
+                    <a:pt x="36" y="29"/>
+                    <a:pt x="36" y="20"/>
+                  </a:cubicBezTo>
+                  <a:cubicBezTo>
+                    <a:pt x="36" y="11"/>
+                    <a:pt x="29" y="4"/>
+                    <a:pt x="20" y="4"/>
+                  </a:cubicBezTo>
+                  <a:close/>
+                </a:path>
+              </a:pathLst>
+            </a:custGeom>
+            <a:grpFill/>
+            <a:ln>
+              <a:noFill/>
+            </a:ln>
+            <a:extLst>
+              <a:ext uri="{91240B29-F687-4f45-9708-019B960494DF}">
+                <a14:hiddenLine xmlns="" xmlns:a16="http://schemas.microsoft.com/office/drawing/2014/main" xmlns:p14="http://schemas.microsoft.com/office/powerpoint/2010/main" xmlns:a14="http://schemas.microsoft.com/office/drawing/2010/main" w="9525">
+                  <a:solidFill>
+                    <a:srgbClr val="000000"/>
+                  </a:solidFill>
+                  <a:round/>
+                  <a:headEnd/>
+                  <a:tailEnd/>
+                </a14:hiddenLine>
+              </a:ext>
+            </a:extLst>
+          </p:spPr>
+        </p:sp>
+        <p:sp>
+          <p:nvSpPr>
+            <p:cNvPr id="16" name="Freeform 8">
+              <a:extLst>
+                <a:ext uri="{FF2B5EF4-FFF2-40B4-BE49-F238E27FC236}">
+                  <a16:creationId xmlns:a16="http://schemas.microsoft.com/office/drawing/2014/main" id="{625E9C1F-1569-416B-A85C-FA143487225D}"/>
+                </a:ext>
+                <a:ext uri="{C183D7F6-B498-43B3-948B-1728B52AA6E4}">
+                  <adec:decorative xmlns:adec="http://schemas.microsoft.com/office/drawing/2017/decorative" val="1"/>
+                </a:ext>
+              </a:extLst>
+            </p:cNvPr>
+            <p:cNvSpPr/>
+            <p:nvPr>
+              <p:extLst>
+                <p:ext uri="{386F3935-93C4-4BCD-93E2-E3B085C9AB24}">
+                  <p16:designElem xmlns:p16="http://schemas.microsoft.com/office/powerpoint/2015/main" val="1"/>
+                </p:ext>
+              </p:extLst>
+            </p:nvPr>
+          </p:nvSpPr>
+          <p:spPr bwMode="auto">
+            <a:xfrm>
+              <a:off x="200025" y="4763"/>
+              <a:ext cx="369888" cy="1811338"/>
+            </a:xfrm>
+            <a:custGeom>
+              <a:avLst/>
+              <a:gdLst/>
+              <a:ahLst/>
+              <a:cxnLst/>
+              <a:rect l="0" t="0" r="r" b="b"/>
+              <a:pathLst>
+                <a:path w="233" h="1141">
+                  <a:moveTo>
+                    <a:pt x="218" y="1141"/>
+                  </a:moveTo>
+                  <a:lnTo>
+                    <a:pt x="0" y="626"/>
+                  </a:lnTo>
+                  <a:lnTo>
+                    <a:pt x="0" y="0"/>
+                  </a:lnTo>
+                  <a:lnTo>
+                    <a:pt x="15" y="0"/>
+                  </a:lnTo>
+                  <a:lnTo>
+                    <a:pt x="15" y="623"/>
+                  </a:lnTo>
+                  <a:lnTo>
+                    <a:pt x="233" y="1135"/>
+                  </a:lnTo>
+                  <a:lnTo>
+                    <a:pt x="218" y="1141"/>
+                  </a:lnTo>
+                  <a:close/>
+                </a:path>
+              </a:pathLst>
+            </a:custGeom>
+            <a:grpFill/>
+            <a:ln>
+              <a:noFill/>
+            </a:ln>
+            <a:extLst>
+              <a:ext uri="{91240B29-F687-4f45-9708-019B960494DF}">
+                <a14:hiddenLine xmlns="" xmlns:a16="http://schemas.microsoft.com/office/drawing/2014/main" xmlns:p14="http://schemas.microsoft.com/office/powerpoint/2010/main" xmlns:a14="http://schemas.microsoft.com/office/drawing/2010/main" w="9525">
+                  <a:solidFill>
+                    <a:srgbClr val="000000"/>
+                  </a:solidFill>
+                  <a:round/>
+                  <a:headEnd/>
+                  <a:tailEnd/>
+                </a14:hiddenLine>
+              </a:ext>
+            </a:extLst>
+          </p:spPr>
+        </p:sp>
+        <p:sp>
+          <p:nvSpPr>
+            <p:cNvPr id="17" name="Freeform 9">
+              <a:extLst>
+                <a:ext uri="{FF2B5EF4-FFF2-40B4-BE49-F238E27FC236}">
+                  <a16:creationId xmlns:a16="http://schemas.microsoft.com/office/drawing/2014/main" id="{3A186C77-43BF-4B1B-8170-48944F305750}"/>
+                </a:ext>
+                <a:ext uri="{C183D7F6-B498-43B3-948B-1728B52AA6E4}">
+                  <adec:decorative xmlns:adec="http://schemas.microsoft.com/office/drawing/2017/decorative" val="1"/>
+                </a:ext>
+              </a:extLst>
+            </p:cNvPr>
+            <p:cNvSpPr>
+              <a:spLocks noEditPoints="1"/>
+            </p:cNvSpPr>
+            <p:nvPr>
+              <p:extLst>
+                <p:ext uri="{386F3935-93C4-4BCD-93E2-E3B085C9AB24}">
+                  <p16:designElem xmlns:p16="http://schemas.microsoft.com/office/powerpoint/2015/main" val="1"/>
+                </p:ext>
+              </p:extLst>
+            </p:nvPr>
+          </p:nvSpPr>
+          <p:spPr bwMode="auto">
+            <a:xfrm>
+              <a:off x="503237" y="1801813"/>
+              <a:ext cx="190500" cy="188913"/>
+            </a:xfrm>
+            <a:custGeom>
+              <a:avLst/>
+              <a:gdLst/>
+              <a:ahLst/>
+              <a:cxnLst/>
+              <a:rect l="0" t="0" r="r" b="b"/>
+              <a:pathLst>
+                <a:path w="40" h="40">
+                  <a:moveTo>
+                    <a:pt x="20" y="40"/>
+                  </a:moveTo>
+                  <a:cubicBezTo>
+                    <a:pt x="9" y="40"/>
+                    <a:pt x="0" y="31"/>
+                    <a:pt x="0" y="20"/>
+                  </a:cubicBezTo>
+                  <a:cubicBezTo>
+                    <a:pt x="0" y="9"/>
+                    <a:pt x="9" y="0"/>
+                    <a:pt x="20" y="0"/>
+                  </a:cubicBezTo>
+                  <a:cubicBezTo>
+                    <a:pt x="33" y="0"/>
+                    <a:pt x="40" y="6"/>
+                    <a:pt x="40" y="20"/>
+                  </a:cubicBezTo>
+                  <a:cubicBezTo>
+                    <a:pt x="40" y="31"/>
+                    <a:pt x="31" y="40"/>
+                    <a:pt x="20" y="40"/>
+                  </a:cubicBezTo>
+                  <a:close/>
+                  <a:moveTo>
+                    <a:pt x="20" y="4"/>
+                  </a:moveTo>
+                  <a:cubicBezTo>
+                    <a:pt x="11" y="4"/>
+                    <a:pt x="4" y="11"/>
+                    <a:pt x="4" y="20"/>
+                  </a:cubicBezTo>
+                  <a:cubicBezTo>
+                    <a:pt x="4" y="29"/>
+                    <a:pt x="11" y="36"/>
+                    <a:pt x="20" y="36"/>
+                  </a:cubicBezTo>
+                  <a:cubicBezTo>
+                    <a:pt x="28" y="36"/>
+                    <a:pt x="36" y="29"/>
+                    <a:pt x="36" y="20"/>
+                  </a:cubicBezTo>
+                  <a:cubicBezTo>
+                    <a:pt x="36" y="9"/>
+                    <a:pt x="31" y="4"/>
+                    <a:pt x="20" y="4"/>
+                  </a:cubicBezTo>
+                  <a:close/>
+                </a:path>
+              </a:pathLst>
+            </a:custGeom>
+            <a:grpFill/>
+            <a:ln>
+              <a:noFill/>
+            </a:ln>
+            <a:extLst>
+              <a:ext uri="{91240B29-F687-4f45-9708-019B960494DF}">
+                <a14:hiddenLine xmlns="" xmlns:a16="http://schemas.microsoft.com/office/drawing/2014/main" xmlns:p14="http://schemas.microsoft.com/office/powerpoint/2010/main" xmlns:a14="http://schemas.microsoft.com/office/drawing/2010/main" w="9525">
+                  <a:solidFill>
+                    <a:srgbClr val="000000"/>
+                  </a:solidFill>
+                  <a:round/>
+                  <a:headEnd/>
+                  <a:tailEnd/>
+                </a14:hiddenLine>
+              </a:ext>
+            </a:extLst>
+          </p:spPr>
+        </p:sp>
+        <p:sp>
+          <p:nvSpPr>
+            <p:cNvPr id="18" name="Freeform 10">
+              <a:extLst>
+                <a:ext uri="{FF2B5EF4-FFF2-40B4-BE49-F238E27FC236}">
+                  <a16:creationId xmlns:a16="http://schemas.microsoft.com/office/drawing/2014/main" id="{FA8D72C1-8526-44B4-9333-5E0057ECCA29}"/>
+                </a:ext>
+                <a:ext uri="{C183D7F6-B498-43B3-948B-1728B52AA6E4}">
+                  <adec:decorative xmlns:adec="http://schemas.microsoft.com/office/drawing/2017/decorative" val="1"/>
+                </a:ext>
+              </a:extLst>
+            </p:cNvPr>
+            <p:cNvSpPr/>
+            <p:nvPr>
+              <p:extLst>
+                <p:ext uri="{386F3935-93C4-4BCD-93E2-E3B085C9AB24}">
+                  <p16:designElem xmlns:p16="http://schemas.microsoft.com/office/powerpoint/2015/main" val="1"/>
+                </p:ext>
+              </p:extLst>
+            </p:nvPr>
+          </p:nvSpPr>
+          <p:spPr bwMode="auto">
+            <a:xfrm>
+              <a:off x="285750" y="4763"/>
+              <a:ext cx="369888" cy="1430338"/>
+            </a:xfrm>
+            <a:custGeom>
+              <a:avLst/>
+              <a:gdLst/>
+              <a:ahLst/>
+              <a:cxnLst/>
+              <a:rect l="0" t="0" r="r" b="b"/>
+              <a:pathLst>
+                <a:path w="233" h="901">
+                  <a:moveTo>
+                    <a:pt x="221" y="901"/>
+                  </a:moveTo>
+                  <a:lnTo>
+                    <a:pt x="0" y="383"/>
+                  </a:lnTo>
+                  <a:lnTo>
+                    <a:pt x="0" y="0"/>
+                  </a:lnTo>
+                  <a:lnTo>
+                    <a:pt x="18" y="0"/>
+                  </a:lnTo>
+                  <a:lnTo>
+                    <a:pt x="18" y="380"/>
+                  </a:lnTo>
+                  <a:lnTo>
+                    <a:pt x="233" y="895"/>
+                  </a:lnTo>
+                  <a:lnTo>
+                    <a:pt x="221" y="901"/>
+                  </a:lnTo>
+                  <a:close/>
+                </a:path>
+              </a:pathLst>
+            </a:custGeom>
+            <a:grpFill/>
+            <a:ln>
+              <a:noFill/>
+            </a:ln>
+            <a:extLst>
+              <a:ext uri="{91240B29-F687-4f45-9708-019B960494DF}">
+                <a14:hiddenLine xmlns="" xmlns:a16="http://schemas.microsoft.com/office/drawing/2014/main" xmlns:p14="http://schemas.microsoft.com/office/powerpoint/2010/main" xmlns:a14="http://schemas.microsoft.com/office/drawing/2010/main" w="9525">
+                  <a:solidFill>
+                    <a:srgbClr val="000000"/>
+                  </a:solidFill>
+                  <a:round/>
+                  <a:headEnd/>
+                  <a:tailEnd/>
+                </a14:hiddenLine>
+              </a:ext>
+            </a:extLst>
+          </p:spPr>
+        </p:sp>
+        <p:sp>
+          <p:nvSpPr>
+            <p:cNvPr id="19" name="Freeform 11">
+              <a:extLst>
+                <a:ext uri="{FF2B5EF4-FFF2-40B4-BE49-F238E27FC236}">
+                  <a16:creationId xmlns:a16="http://schemas.microsoft.com/office/drawing/2014/main" id="{790E4BA0-9C47-48B6-AA4A-8FC22DA9541E}"/>
+                </a:ext>
+                <a:ext uri="{C183D7F6-B498-43B3-948B-1728B52AA6E4}">
+                  <adec:decorative xmlns:adec="http://schemas.microsoft.com/office/drawing/2017/decorative" val="1"/>
+                </a:ext>
+              </a:extLst>
+            </p:cNvPr>
+            <p:cNvSpPr/>
+            <p:nvPr>
+              <p:extLst>
+                <p:ext uri="{386F3935-93C4-4BCD-93E2-E3B085C9AB24}">
+                  <p16:designElem xmlns:p16="http://schemas.microsoft.com/office/powerpoint/2015/main" val="1"/>
+                </p:ext>
+              </p:extLst>
+            </p:nvPr>
+          </p:nvSpPr>
+          <p:spPr bwMode="auto">
+            <a:xfrm>
+              <a:off x="546100" y="0"/>
+              <a:ext cx="152400" cy="912813"/>
+            </a:xfrm>
+            <a:custGeom>
+              <a:avLst/>
+              <a:gdLst/>
+              <a:ahLst/>
+              <a:cxnLst/>
+              <a:rect l="0" t="0" r="r" b="b"/>
+              <a:pathLst>
+                <a:path w="96" h="575">
+                  <a:moveTo>
+                    <a:pt x="96" y="575"/>
+                  </a:moveTo>
+                  <a:lnTo>
+                    <a:pt x="78" y="575"/>
+                  </a:lnTo>
+                  <a:lnTo>
+                    <a:pt x="78" y="192"/>
+                  </a:lnTo>
+                  <a:lnTo>
+                    <a:pt x="0" y="6"/>
+                  </a:lnTo>
+                  <a:lnTo>
+                    <a:pt x="15" y="0"/>
+                  </a:lnTo>
+                  <a:lnTo>
+                    <a:pt x="96" y="189"/>
+                  </a:lnTo>
+                  <a:lnTo>
+                    <a:pt x="96" y="575"/>
+                  </a:lnTo>
+                  <a:close/>
+                </a:path>
+              </a:pathLst>
+            </a:custGeom>
+            <a:grpFill/>
+            <a:ln>
+              <a:noFill/>
+            </a:ln>
+            <a:extLst>
+              <a:ext uri="{91240B29-F687-4f45-9708-019B960494DF}">
+                <a14:hiddenLine xmlns="" xmlns:a16="http://schemas.microsoft.com/office/drawing/2014/main" xmlns:p14="http://schemas.microsoft.com/office/powerpoint/2010/main" xmlns:a14="http://schemas.microsoft.com/office/drawing/2010/main" w="9525">
+                  <a:solidFill>
+                    <a:srgbClr val="000000"/>
+                  </a:solidFill>
+                  <a:round/>
+                  <a:headEnd/>
+                  <a:tailEnd/>
+                </a14:hiddenLine>
+              </a:ext>
+            </a:extLst>
+          </p:spPr>
+        </p:sp>
+        <p:sp>
+          <p:nvSpPr>
+            <p:cNvPr id="20" name="Freeform 12">
+              <a:extLst>
+                <a:ext uri="{FF2B5EF4-FFF2-40B4-BE49-F238E27FC236}">
+                  <a16:creationId xmlns:a16="http://schemas.microsoft.com/office/drawing/2014/main" id="{FD051475-431F-4B9D-94C6-7B49A69582F2}"/>
+                </a:ext>
+                <a:ext uri="{C183D7F6-B498-43B3-948B-1728B52AA6E4}">
+                  <adec:decorative xmlns:adec="http://schemas.microsoft.com/office/drawing/2017/decorative" val="1"/>
+                </a:ext>
+              </a:extLst>
+            </p:cNvPr>
+            <p:cNvSpPr>
+              <a:spLocks noEditPoints="1"/>
+            </p:cNvSpPr>
+            <p:nvPr>
+              <p:extLst>
+                <p:ext uri="{386F3935-93C4-4BCD-93E2-E3B085C9AB24}">
+                  <p16:designElem xmlns:p16="http://schemas.microsoft.com/office/powerpoint/2015/main" val="1"/>
+                </p:ext>
+              </p:extLst>
+            </p:nvPr>
+          </p:nvSpPr>
+          <p:spPr bwMode="auto">
+            <a:xfrm>
+              <a:off x="588962" y="1420813"/>
+              <a:ext cx="190500" cy="190500"/>
+            </a:xfrm>
+            <a:custGeom>
+              <a:avLst/>
+              <a:gdLst/>
+              <a:ahLst/>
+              <a:cxnLst/>
+              <a:rect l="0" t="0" r="r" b="b"/>
+              <a:pathLst>
+                <a:path w="40" h="40">
+                  <a:moveTo>
+                    <a:pt x="20" y="40"/>
+                  </a:moveTo>
+                  <a:cubicBezTo>
+                    <a:pt x="9" y="40"/>
+                    <a:pt x="0" y="31"/>
+                    <a:pt x="0" y="20"/>
+                  </a:cubicBezTo>
+                  <a:cubicBezTo>
+                    <a:pt x="0" y="9"/>
+                    <a:pt x="9" y="0"/>
+                    <a:pt x="20" y="0"/>
+                  </a:cubicBezTo>
+                  <a:cubicBezTo>
+                    <a:pt x="33" y="0"/>
+                    <a:pt x="40" y="7"/>
+                    <a:pt x="40" y="20"/>
+                  </a:cubicBezTo>
+                  <a:cubicBezTo>
+                    <a:pt x="40" y="31"/>
+                    <a:pt x="31" y="40"/>
+                    <a:pt x="20" y="40"/>
+                  </a:cubicBezTo>
+                  <a:close/>
+                  <a:moveTo>
+                    <a:pt x="20" y="4"/>
+                  </a:moveTo>
+                  <a:cubicBezTo>
+                    <a:pt x="11" y="4"/>
+                    <a:pt x="4" y="11"/>
+                    <a:pt x="4" y="20"/>
+                  </a:cubicBezTo>
+                  <a:cubicBezTo>
+                    <a:pt x="4" y="29"/>
+                    <a:pt x="11" y="36"/>
+                    <a:pt x="20" y="36"/>
+                  </a:cubicBezTo>
+                  <a:cubicBezTo>
+                    <a:pt x="29" y="36"/>
+                    <a:pt x="36" y="29"/>
+                    <a:pt x="36" y="20"/>
+                  </a:cubicBezTo>
+                  <a:cubicBezTo>
+                    <a:pt x="36" y="9"/>
+                    <a:pt x="31" y="4"/>
+                    <a:pt x="20" y="4"/>
+                  </a:cubicBezTo>
+                  <a:close/>
+                </a:path>
+              </a:pathLst>
+            </a:custGeom>
+            <a:grpFill/>
+            <a:ln>
+              <a:noFill/>
+            </a:ln>
+            <a:extLst>
+              <a:ext uri="{91240B29-F687-4f45-9708-019B960494DF}">
+                <a14:hiddenLine xmlns="" xmlns:a16="http://schemas.microsoft.com/office/drawing/2014/main" xmlns:p14="http://schemas.microsoft.com/office/powerpoint/2010/main" xmlns:a14="http://schemas.microsoft.com/office/drawing/2010/main" w="9525">
+                  <a:solidFill>
+                    <a:srgbClr val="000000"/>
+                  </a:solidFill>
+                  <a:round/>
+                  <a:headEnd/>
+                  <a:tailEnd/>
+                </a14:hiddenLine>
+              </a:ext>
+            </a:extLst>
+          </p:spPr>
+        </p:sp>
+        <p:sp>
+          <p:nvSpPr>
+            <p:cNvPr id="21" name="Freeform 13">
+              <a:extLst>
+                <a:ext uri="{FF2B5EF4-FFF2-40B4-BE49-F238E27FC236}">
+                  <a16:creationId xmlns:a16="http://schemas.microsoft.com/office/drawing/2014/main" id="{82255D2F-85A1-4A19-8BC4-EB2715F36CCE}"/>
+                </a:ext>
+                <a:ext uri="{C183D7F6-B498-43B3-948B-1728B52AA6E4}">
+                  <adec:decorative xmlns:adec="http://schemas.microsoft.com/office/drawing/2017/decorative" val="1"/>
+                </a:ext>
+              </a:extLst>
+            </p:cNvPr>
+            <p:cNvSpPr>
+              <a:spLocks noEditPoints="1"/>
+            </p:cNvSpPr>
+            <p:nvPr>
+              <p:extLst>
+                <p:ext uri="{386F3935-93C4-4BCD-93E2-E3B085C9AB24}">
+                  <p16:designElem xmlns:p16="http://schemas.microsoft.com/office/powerpoint/2015/main" val="1"/>
+                </p:ext>
+              </p:extLst>
+            </p:nvPr>
+          </p:nvSpPr>
+          <p:spPr bwMode="auto">
+            <a:xfrm>
+              <a:off x="588962" y="903288"/>
+              <a:ext cx="190500" cy="190500"/>
+            </a:xfrm>
+            <a:custGeom>
+              <a:avLst/>
+              <a:gdLst/>
+              <a:ahLst/>
+              <a:cxnLst/>
+              <a:rect l="0" t="0" r="r" b="b"/>
+              <a:pathLst>
+                <a:path w="40" h="40">
+                  <a:moveTo>
+                    <a:pt x="20" y="40"/>
+                  </a:moveTo>
+                  <a:cubicBezTo>
+                    <a:pt x="9" y="40"/>
+                    <a:pt x="0" y="31"/>
+                    <a:pt x="0" y="20"/>
+                  </a:cubicBezTo>
+                  <a:cubicBezTo>
+                    <a:pt x="0" y="9"/>
+                    <a:pt x="9" y="0"/>
+                    <a:pt x="20" y="0"/>
+                  </a:cubicBezTo>
+                  <a:cubicBezTo>
+                    <a:pt x="31" y="0"/>
+                    <a:pt x="40" y="9"/>
+                    <a:pt x="40" y="20"/>
+                  </a:cubicBezTo>
+                  <a:cubicBezTo>
+                    <a:pt x="40" y="31"/>
+                    <a:pt x="31" y="40"/>
+                    <a:pt x="20" y="40"/>
+                  </a:cubicBezTo>
+                  <a:close/>
+                  <a:moveTo>
+                    <a:pt x="20" y="4"/>
+                  </a:moveTo>
+                  <a:cubicBezTo>
+                    <a:pt x="11" y="4"/>
+                    <a:pt x="4" y="11"/>
+                    <a:pt x="4" y="20"/>
+                  </a:cubicBezTo>
+                  <a:cubicBezTo>
+                    <a:pt x="4" y="29"/>
+                    <a:pt x="11" y="36"/>
+                    <a:pt x="20" y="36"/>
+                  </a:cubicBezTo>
+                  <a:cubicBezTo>
+                    <a:pt x="29" y="36"/>
+                    <a:pt x="36" y="29"/>
+                    <a:pt x="36" y="20"/>
+                  </a:cubicBezTo>
+                  <a:cubicBezTo>
+                    <a:pt x="36" y="11"/>
+                    <a:pt x="29" y="4"/>
+                    <a:pt x="20" y="4"/>
+                  </a:cubicBezTo>
+                  <a:close/>
+                </a:path>
+              </a:pathLst>
+            </a:custGeom>
+            <a:grpFill/>
+            <a:ln>
+              <a:noFill/>
+            </a:ln>
+            <a:extLst>
+              <a:ext uri="{91240B29-F687-4f45-9708-019B960494DF}">
+                <a14:hiddenLine xmlns="" xmlns:a16="http://schemas.microsoft.com/office/drawing/2014/main" xmlns:p14="http://schemas.microsoft.com/office/powerpoint/2010/main" xmlns:a14="http://schemas.microsoft.com/office/drawing/2010/main" w="9525">
+                  <a:solidFill>
+                    <a:srgbClr val="000000"/>
+                  </a:solidFill>
+                  <a:round/>
+                  <a:headEnd/>
+                  <a:tailEnd/>
+                </a14:hiddenLine>
+              </a:ext>
+            </a:extLst>
+          </p:spPr>
+        </p:sp>
+        <p:sp>
+          <p:nvSpPr>
+            <p:cNvPr id="22" name="Freeform 14">
+              <a:extLst>
+                <a:ext uri="{FF2B5EF4-FFF2-40B4-BE49-F238E27FC236}">
+                  <a16:creationId xmlns:a16="http://schemas.microsoft.com/office/drawing/2014/main" id="{EBC3A004-9794-4EFA-83F0-989248797CD9}"/>
+                </a:ext>
+                <a:ext uri="{C183D7F6-B498-43B3-948B-1728B52AA6E4}">
+                  <adec:decorative xmlns:adec="http://schemas.microsoft.com/office/drawing/2017/decorative" val="1"/>
+                </a:ext>
+              </a:extLst>
+            </p:cNvPr>
+            <p:cNvSpPr/>
+            <p:nvPr>
+              <p:extLst>
+                <p:ext uri="{386F3935-93C4-4BCD-93E2-E3B085C9AB24}">
+                  <p16:designElem xmlns:p16="http://schemas.microsoft.com/office/powerpoint/2015/main" val="1"/>
+                </p:ext>
+              </p:extLst>
+            </p:nvPr>
+          </p:nvSpPr>
+          <p:spPr bwMode="auto">
+            <a:xfrm>
+              <a:off x="641350" y="0"/>
+              <a:ext cx="422275" cy="527050"/>
+            </a:xfrm>
+            <a:custGeom>
+              <a:avLst/>
+              <a:gdLst/>
+              <a:ahLst/>
+              <a:cxnLst/>
+              <a:rect l="0" t="0" r="r" b="b"/>
+              <a:pathLst>
+                <a:path w="266" h="332">
+                  <a:moveTo>
+                    <a:pt x="257" y="332"/>
+                  </a:moveTo>
+                  <a:lnTo>
+                    <a:pt x="48" y="123"/>
+                  </a:lnTo>
+                  <a:lnTo>
+                    <a:pt x="0" y="6"/>
+                  </a:lnTo>
+                  <a:lnTo>
+                    <a:pt x="15" y="0"/>
+                  </a:lnTo>
+                  <a:lnTo>
+                    <a:pt x="63" y="114"/>
+                  </a:lnTo>
+                  <a:lnTo>
+                    <a:pt x="266" y="320"/>
+                  </a:lnTo>
+                  <a:lnTo>
+                    <a:pt x="257" y="332"/>
+                  </a:lnTo>
+                  <a:close/>
+                </a:path>
+              </a:pathLst>
+            </a:custGeom>
+            <a:grpFill/>
+            <a:ln>
+              <a:noFill/>
+            </a:ln>
+            <a:extLst>
+              <a:ext uri="{91240B29-F687-4f45-9708-019B960494DF}">
+                <a14:hiddenLine xmlns="" xmlns:a16="http://schemas.microsoft.com/office/drawing/2014/main" xmlns:p14="http://schemas.microsoft.com/office/powerpoint/2010/main" xmlns:a14="http://schemas.microsoft.com/office/drawing/2010/main" w="9525">
+                  <a:solidFill>
+                    <a:srgbClr val="000000"/>
+                  </a:solidFill>
+                  <a:round/>
+                  <a:headEnd/>
+                  <a:tailEnd/>
+                </a14:hiddenLine>
+              </a:ext>
+            </a:extLst>
+          </p:spPr>
+        </p:sp>
+        <p:sp>
+          <p:nvSpPr>
+            <p:cNvPr id="23" name="Freeform 15">
+              <a:extLst>
+                <a:ext uri="{FF2B5EF4-FFF2-40B4-BE49-F238E27FC236}">
+                  <a16:creationId xmlns:a16="http://schemas.microsoft.com/office/drawing/2014/main" id="{6EFD9FC3-E11A-44E3-BCAC-A07F3C601F22}"/>
+                </a:ext>
+                <a:ext uri="{C183D7F6-B498-43B3-948B-1728B52AA6E4}">
+                  <adec:decorative xmlns:adec="http://schemas.microsoft.com/office/drawing/2017/decorative" val="1"/>
+                </a:ext>
+              </a:extLst>
+            </p:cNvPr>
+            <p:cNvSpPr>
+              <a:spLocks noEditPoints="1"/>
+            </p:cNvSpPr>
+            <p:nvPr>
+              <p:extLst>
+                <p:ext uri="{386F3935-93C4-4BCD-93E2-E3B085C9AB24}">
+                  <p16:designElem xmlns:p16="http://schemas.microsoft.com/office/powerpoint/2015/main" val="1"/>
+                </p:ext>
+              </p:extLst>
+            </p:nvPr>
+          </p:nvSpPr>
+          <p:spPr bwMode="auto">
+            <a:xfrm>
+              <a:off x="1020762" y="488950"/>
+              <a:ext cx="161925" cy="147638"/>
+            </a:xfrm>
+            <a:custGeom>
+              <a:avLst/>
+              <a:gdLst/>
+              <a:ahLst/>
+              <a:cxnLst/>
+              <a:rect l="0" t="0" r="r" b="b"/>
+              <a:pathLst>
+                <a:path w="34" h="31">
+                  <a:moveTo>
+                    <a:pt x="17" y="31"/>
+                  </a:moveTo>
+                  <a:cubicBezTo>
+                    <a:pt x="13" y="31"/>
+                    <a:pt x="9" y="30"/>
+                    <a:pt x="6" y="27"/>
+                  </a:cubicBezTo>
+                  <a:cubicBezTo>
+                    <a:pt x="0" y="20"/>
+                    <a:pt x="0" y="10"/>
+                    <a:pt x="6" y="4"/>
+                  </a:cubicBezTo>
+                  <a:cubicBezTo>
+                    <a:pt x="9" y="1"/>
+                    <a:pt x="13" y="0"/>
+                    <a:pt x="17" y="0"/>
+                  </a:cubicBezTo>
+                  <a:cubicBezTo>
+                    <a:pt x="21" y="0"/>
+                    <a:pt x="25" y="1"/>
+                    <a:pt x="28" y="4"/>
+                  </a:cubicBezTo>
+                  <a:cubicBezTo>
+                    <a:pt x="34" y="10"/>
+                    <a:pt x="34" y="20"/>
+                    <a:pt x="28" y="27"/>
+                  </a:cubicBezTo>
+                  <a:cubicBezTo>
+                    <a:pt x="25" y="30"/>
+                    <a:pt x="21" y="31"/>
+                    <a:pt x="17" y="31"/>
+                  </a:cubicBezTo>
+                  <a:close/>
+                  <a:moveTo>
+                    <a:pt x="17" y="4"/>
+                  </a:moveTo>
+                  <a:cubicBezTo>
+                    <a:pt x="14" y="4"/>
+                    <a:pt x="11" y="5"/>
+                    <a:pt x="9" y="7"/>
+                  </a:cubicBezTo>
+                  <a:cubicBezTo>
+                    <a:pt x="4" y="12"/>
+                    <a:pt x="4" y="19"/>
+                    <a:pt x="9" y="24"/>
+                  </a:cubicBezTo>
+                  <a:cubicBezTo>
+                    <a:pt x="11" y="26"/>
+                    <a:pt x="14" y="27"/>
+                    <a:pt x="17" y="27"/>
+                  </a:cubicBezTo>
+                  <a:cubicBezTo>
+                    <a:pt x="20" y="27"/>
+                    <a:pt x="23" y="26"/>
+                    <a:pt x="25" y="24"/>
+                  </a:cubicBezTo>
+                  <a:cubicBezTo>
+                    <a:pt x="30" y="19"/>
+                    <a:pt x="30" y="12"/>
+                    <a:pt x="25" y="7"/>
+                  </a:cubicBezTo>
+                  <a:cubicBezTo>
+                    <a:pt x="23" y="5"/>
+                    <a:pt x="20" y="4"/>
+                    <a:pt x="17" y="4"/>
+                  </a:cubicBezTo>
+                  <a:close/>
+                </a:path>
+              </a:pathLst>
+            </a:custGeom>
+            <a:grpFill/>
+            <a:ln>
+              <a:noFill/>
+            </a:ln>
+            <a:extLst>
+              <a:ext uri="{91240B29-F687-4f45-9708-019B960494DF}">
+                <a14:hiddenLine xmlns="" xmlns:a16="http://schemas.microsoft.com/office/drawing/2014/main" xmlns:p14="http://schemas.microsoft.com/office/powerpoint/2010/main" xmlns:a14="http://schemas.microsoft.com/office/drawing/2010/main" w="9525">
+                  <a:solidFill>
+                    <a:srgbClr val="000000"/>
+                  </a:solidFill>
+                  <a:round/>
+                  <a:headEnd/>
+                  <a:tailEnd/>
+                </a14:hiddenLine>
+              </a:ext>
+            </a:extLst>
+          </p:spPr>
+        </p:sp>
+        <p:sp>
+          <p:nvSpPr>
+            <p:cNvPr id="24" name="Line 16">
+              <a:extLst>
+                <a:ext uri="{FF2B5EF4-FFF2-40B4-BE49-F238E27FC236}">
+                  <a16:creationId xmlns:a16="http://schemas.microsoft.com/office/drawing/2014/main" id="{AB6AB6F7-6592-4028-B349-1C0E53A29CDC}"/>
+                </a:ext>
+                <a:ext uri="{C183D7F6-B498-43B3-948B-1728B52AA6E4}">
+                  <adec:decorative xmlns:adec="http://schemas.microsoft.com/office/drawing/2017/decorative" val="1"/>
+                </a:ext>
+              </a:extLst>
+            </p:cNvPr>
+            <p:cNvSpPr>
+              <a:spLocks noChangeShapeType="1"/>
+            </p:cNvSpPr>
+            <p:nvPr>
+              <p:extLst>
+                <p:ext uri="{386F3935-93C4-4BCD-93E2-E3B085C9AB24}">
+                  <p16:designElem xmlns:p16="http://schemas.microsoft.com/office/powerpoint/2015/main" val="1"/>
+                </p:ext>
+              </p:extLst>
+            </p:nvPr>
+          </p:nvSpPr>
+          <p:spPr bwMode="auto">
+            <a:xfrm>
+              <a:off x="-4763" y="9525"/>
+              <a:ext cx="0" cy="0"/>
+            </a:xfrm>
+            <a:prstGeom prst="line">
+              <a:avLst/>
+            </a:prstGeom>
+            <a:grpFill/>
+            <a:ln w="15" cap="flat">
+              <a:solidFill>
+                <a:srgbClr val="FFFFFF"/>
+              </a:solidFill>
+              <a:prstDash val="solid"/>
+              <a:miter lim="800000"/>
+              <a:headEnd/>
+              <a:tailEnd/>
+            </a:ln>
+          </p:spPr>
+        </p:sp>
+        <p:sp>
+          <p:nvSpPr>
+            <p:cNvPr id="25" name="Freeform 17">
+              <a:extLst>
+                <a:ext uri="{FF2B5EF4-FFF2-40B4-BE49-F238E27FC236}">
+                  <a16:creationId xmlns:a16="http://schemas.microsoft.com/office/drawing/2014/main" id="{6C2415E6-F914-4C11-B48B-4910AA6CA6BD}"/>
+                </a:ext>
+                <a:ext uri="{C183D7F6-B498-43B3-948B-1728B52AA6E4}">
+                  <adec:decorative xmlns:adec="http://schemas.microsoft.com/office/drawing/2017/decorative" val="1"/>
+                </a:ext>
+              </a:extLst>
+            </p:cNvPr>
+            <p:cNvSpPr/>
+            <p:nvPr>
+              <p:extLst>
+                <p:ext uri="{386F3935-93C4-4BCD-93E2-E3B085C9AB24}">
+                  <p16:designElem xmlns:p16="http://schemas.microsoft.com/office/powerpoint/2015/main" val="1"/>
+                </p:ext>
+              </p:extLst>
+            </p:nvPr>
+          </p:nvSpPr>
+          <p:spPr bwMode="auto">
+            <a:xfrm>
+              <a:off x="9525" y="1801813"/>
+              <a:ext cx="123825" cy="127000"/>
+            </a:xfrm>
+            <a:custGeom>
+              <a:avLst/>
+              <a:gdLst/>
+              <a:ahLst/>
+              <a:cxnLst/>
+              <a:rect l="0" t="0" r="r" b="b"/>
+              <a:pathLst>
+                <a:path w="78" h="80">
+                  <a:moveTo>
+                    <a:pt x="6" y="80"/>
+                  </a:moveTo>
+                  <a:lnTo>
+                    <a:pt x="0" y="71"/>
+                  </a:lnTo>
+                  <a:lnTo>
+                    <a:pt x="69" y="0"/>
+                  </a:lnTo>
+                  <a:lnTo>
+                    <a:pt x="78" y="9"/>
+                  </a:lnTo>
+                  <a:lnTo>
+                    <a:pt x="6" y="80"/>
+                  </a:lnTo>
+                  <a:close/>
+                </a:path>
+              </a:pathLst>
+            </a:custGeom>
+            <a:grpFill/>
+            <a:ln>
+              <a:noFill/>
+            </a:ln>
+            <a:extLst>
+              <a:ext uri="{91240B29-F687-4f45-9708-019B960494DF}">
+                <a14:hiddenLine xmlns="" xmlns:a16="http://schemas.microsoft.com/office/drawing/2014/main" xmlns:p14="http://schemas.microsoft.com/office/powerpoint/2010/main" xmlns:a14="http://schemas.microsoft.com/office/drawing/2010/main" w="9525">
+                  <a:solidFill>
+                    <a:srgbClr val="000000"/>
+                  </a:solidFill>
+                  <a:round/>
+                  <a:headEnd/>
+                  <a:tailEnd/>
+                </a14:hiddenLine>
+              </a:ext>
+            </a:extLst>
+          </p:spPr>
+        </p:sp>
+        <p:sp>
+          <p:nvSpPr>
+            <p:cNvPr id="26" name="Freeform 18">
+              <a:extLst>
+                <a:ext uri="{FF2B5EF4-FFF2-40B4-BE49-F238E27FC236}">
+                  <a16:creationId xmlns:a16="http://schemas.microsoft.com/office/drawing/2014/main" id="{2412013C-072A-489E-851A-CFEF91A9A6A9}"/>
+                </a:ext>
+                <a:ext uri="{C183D7F6-B498-43B3-948B-1728B52AA6E4}">
+                  <adec:decorative xmlns:adec="http://schemas.microsoft.com/office/drawing/2017/decorative" val="1"/>
+                </a:ext>
+              </a:extLst>
+            </p:cNvPr>
+            <p:cNvSpPr/>
+            <p:nvPr>
+              <p:extLst>
+                <p:ext uri="{386F3935-93C4-4BCD-93E2-E3B085C9AB24}">
+                  <p16:designElem xmlns:p16="http://schemas.microsoft.com/office/powerpoint/2015/main" val="1"/>
+                </p:ext>
+              </p:extLst>
+            </p:nvPr>
+          </p:nvSpPr>
+          <p:spPr bwMode="auto">
+            <a:xfrm>
+              <a:off x="-9525" y="3549650"/>
+              <a:ext cx="147638" cy="481013"/>
+            </a:xfrm>
+            <a:custGeom>
+              <a:avLst/>
+              <a:gdLst/>
+              <a:ahLst/>
+              <a:cxnLst/>
+              <a:rect l="0" t="0" r="r" b="b"/>
+              <a:pathLst>
+                <a:path w="93" h="303">
+                  <a:moveTo>
+                    <a:pt x="93" y="303"/>
+                  </a:moveTo>
+                  <a:lnTo>
+                    <a:pt x="78" y="303"/>
+                  </a:lnTo>
+                  <a:lnTo>
+                    <a:pt x="78" y="78"/>
+                  </a:lnTo>
+                  <a:lnTo>
+                    <a:pt x="0" y="12"/>
+                  </a:lnTo>
+                  <a:lnTo>
+                    <a:pt x="12" y="0"/>
+                  </a:lnTo>
+                  <a:lnTo>
+                    <a:pt x="93" y="69"/>
+                  </a:lnTo>
+                  <a:lnTo>
+                    <a:pt x="93" y="303"/>
+                  </a:lnTo>
+                  <a:close/>
+                </a:path>
+              </a:pathLst>
+            </a:custGeom>
+            <a:grpFill/>
+            <a:ln>
+              <a:noFill/>
+            </a:ln>
+            <a:extLst>
+              <a:ext uri="{91240B29-F687-4f45-9708-019B960494DF}">
+                <a14:hiddenLine xmlns="" xmlns:a16="http://schemas.microsoft.com/office/drawing/2014/main" xmlns:p14="http://schemas.microsoft.com/office/powerpoint/2010/main" xmlns:a14="http://schemas.microsoft.com/office/drawing/2010/main" w="9525">
+                  <a:solidFill>
+                    <a:srgbClr val="000000"/>
+                  </a:solidFill>
+                  <a:round/>
+                  <a:headEnd/>
+                  <a:tailEnd/>
+                </a14:hiddenLine>
+              </a:ext>
+            </a:extLst>
+          </p:spPr>
+        </p:sp>
+        <p:sp>
+          <p:nvSpPr>
+            <p:cNvPr id="27" name="Freeform 19">
+              <a:extLst>
+                <a:ext uri="{FF2B5EF4-FFF2-40B4-BE49-F238E27FC236}">
+                  <a16:creationId xmlns:a16="http://schemas.microsoft.com/office/drawing/2014/main" id="{DE93DF9F-296F-4DE4-8813-D8C04DE4CFC5}"/>
+                </a:ext>
+                <a:ext uri="{C183D7F6-B498-43B3-948B-1728B52AA6E4}">
+                  <adec:decorative xmlns:adec="http://schemas.microsoft.com/office/drawing/2017/decorative" val="1"/>
+                </a:ext>
+              </a:extLst>
+            </p:cNvPr>
+            <p:cNvSpPr/>
+            <p:nvPr>
+              <p:extLst>
+                <p:ext uri="{386F3935-93C4-4BCD-93E2-E3B085C9AB24}">
+                  <p16:designElem xmlns:p16="http://schemas.microsoft.com/office/powerpoint/2015/main" val="1"/>
+                </p:ext>
+              </p:extLst>
+            </p:nvPr>
+          </p:nvSpPr>
+          <p:spPr bwMode="auto">
+            <a:xfrm>
+              <a:off x="128587" y="1382713"/>
+              <a:ext cx="142875" cy="476250"/>
+            </a:xfrm>
+            <a:custGeom>
+              <a:avLst/>
+              <a:gdLst/>
+              <a:ahLst/>
+              <a:cxnLst/>
+              <a:rect l="0" t="0" r="r" b="b"/>
+              <a:pathLst>
+                <a:path w="90" h="300">
+                  <a:moveTo>
+                    <a:pt x="90" y="300"/>
+                  </a:moveTo>
+                  <a:lnTo>
+                    <a:pt x="78" y="300"/>
+                  </a:lnTo>
+                  <a:lnTo>
+                    <a:pt x="78" y="84"/>
+                  </a:lnTo>
+                  <a:lnTo>
+                    <a:pt x="0" y="9"/>
+                  </a:lnTo>
+                  <a:lnTo>
+                    <a:pt x="9" y="0"/>
+                  </a:lnTo>
+                  <a:lnTo>
+                    <a:pt x="90" y="81"/>
+                  </a:lnTo>
+                  <a:lnTo>
+                    <a:pt x="90" y="300"/>
+                  </a:lnTo>
+                  <a:close/>
+                </a:path>
+              </a:pathLst>
+            </a:custGeom>
+            <a:grpFill/>
+            <a:ln>
+              <a:noFill/>
+            </a:ln>
+            <a:extLst>
+              <a:ext uri="{91240B29-F687-4f45-9708-019B960494DF}">
+                <a14:hiddenLine xmlns="" xmlns:a16="http://schemas.microsoft.com/office/drawing/2014/main" xmlns:p14="http://schemas.microsoft.com/office/powerpoint/2010/main" xmlns:a14="http://schemas.microsoft.com/office/drawing/2010/main" w="9525">
+                  <a:solidFill>
+                    <a:srgbClr val="000000"/>
+                  </a:solidFill>
+                  <a:round/>
+                  <a:headEnd/>
+                  <a:tailEnd/>
+                </a14:hiddenLine>
+              </a:ext>
+            </a:extLst>
+          </p:spPr>
+        </p:sp>
+        <p:sp>
+          <p:nvSpPr>
+            <p:cNvPr id="28" name="Freeform 20">
+              <a:extLst>
+                <a:ext uri="{FF2B5EF4-FFF2-40B4-BE49-F238E27FC236}">
+                  <a16:creationId xmlns:a16="http://schemas.microsoft.com/office/drawing/2014/main" id="{F440D966-5030-460C-9916-BF9B91542185}"/>
+                </a:ext>
+                <a:ext uri="{C183D7F6-B498-43B3-948B-1728B52AA6E4}">
+                  <adec:decorative xmlns:adec="http://schemas.microsoft.com/office/drawing/2017/decorative" val="1"/>
+                </a:ext>
+              </a:extLst>
+            </p:cNvPr>
+            <p:cNvSpPr>
+              <a:spLocks noEditPoints="1"/>
+            </p:cNvSpPr>
+            <p:nvPr>
+              <p:extLst>
+                <p:ext uri="{386F3935-93C4-4BCD-93E2-E3B085C9AB24}">
+                  <p16:designElem xmlns:p16="http://schemas.microsoft.com/office/powerpoint/2015/main" val="1"/>
+                </p:ext>
+              </p:extLst>
+            </p:nvPr>
+          </p:nvSpPr>
+          <p:spPr bwMode="auto">
+            <a:xfrm>
+              <a:off x="204787" y="1849438"/>
+              <a:ext cx="114300" cy="107950"/>
+            </a:xfrm>
+            <a:custGeom>
+              <a:avLst/>
+              <a:gdLst/>
+              <a:ahLst/>
+              <a:cxnLst/>
+              <a:rect l="0" t="0" r="r" b="b"/>
+              <a:pathLst>
+                <a:path w="24" h="23">
+                  <a:moveTo>
+                    <a:pt x="12" y="23"/>
+                  </a:moveTo>
+                  <a:cubicBezTo>
+                    <a:pt x="6" y="23"/>
+                    <a:pt x="0" y="18"/>
+                    <a:pt x="0" y="12"/>
+                  </a:cubicBezTo>
+                  <a:cubicBezTo>
+                    <a:pt x="0" y="5"/>
+                    <a:pt x="6" y="0"/>
+                    <a:pt x="12" y="0"/>
+                  </a:cubicBezTo>
+                  <a:cubicBezTo>
+                    <a:pt x="18" y="0"/>
+                    <a:pt x="24" y="5"/>
+                    <a:pt x="24" y="12"/>
+                  </a:cubicBezTo>
+                  <a:cubicBezTo>
+                    <a:pt x="24" y="18"/>
+                    <a:pt x="18" y="23"/>
+                    <a:pt x="12" y="23"/>
+                  </a:cubicBezTo>
+                  <a:close/>
+                  <a:moveTo>
+                    <a:pt x="12" y="4"/>
+                  </a:moveTo>
+                  <a:cubicBezTo>
+                    <a:pt x="8" y="4"/>
+                    <a:pt x="4" y="8"/>
+                    <a:pt x="4" y="12"/>
+                  </a:cubicBezTo>
+                  <a:cubicBezTo>
+                    <a:pt x="4" y="16"/>
+                    <a:pt x="8" y="19"/>
+                    <a:pt x="12" y="19"/>
+                  </a:cubicBezTo>
+                  <a:cubicBezTo>
+                    <a:pt x="16" y="19"/>
+                    <a:pt x="20" y="16"/>
+                    <a:pt x="20" y="12"/>
+                  </a:cubicBezTo>
+                  <a:cubicBezTo>
+                    <a:pt x="20" y="8"/>
+                    <a:pt x="16" y="4"/>
+                    <a:pt x="12" y="4"/>
+                  </a:cubicBezTo>
+                  <a:close/>
+                </a:path>
+              </a:pathLst>
+            </a:custGeom>
+            <a:grpFill/>
+            <a:ln>
+              <a:noFill/>
+            </a:ln>
+            <a:extLst>
+              <a:ext uri="{91240B29-F687-4f45-9708-019B960494DF}">
+                <a14:hiddenLine xmlns="" xmlns:a16="http://schemas.microsoft.com/office/drawing/2014/main" xmlns:p14="http://schemas.microsoft.com/office/powerpoint/2010/main" xmlns:a14="http://schemas.microsoft.com/office/drawing/2010/main" w="9525">
+                  <a:solidFill>
+                    <a:srgbClr val="000000"/>
+                  </a:solidFill>
+                  <a:round/>
+                  <a:headEnd/>
+                  <a:tailEnd/>
+                </a14:hiddenLine>
+              </a:ext>
+            </a:extLst>
+          </p:spPr>
+        </p:sp>
+        <p:sp>
+          <p:nvSpPr>
+            <p:cNvPr id="29" name="Rectangle 21">
+              <a:extLst>
+                <a:ext uri="{FF2B5EF4-FFF2-40B4-BE49-F238E27FC236}">
+                  <a16:creationId xmlns:a16="http://schemas.microsoft.com/office/drawing/2014/main" id="{1EFE245D-BA05-4F4D-A6E8-40739F48E769}"/>
+                </a:ext>
+                <a:ext uri="{C183D7F6-B498-43B3-948B-1728B52AA6E4}">
+                  <adec:decorative xmlns:adec="http://schemas.microsoft.com/office/drawing/2017/decorative" val="1"/>
+                </a:ext>
+              </a:extLst>
+            </p:cNvPr>
+            <p:cNvSpPr>
+              <a:spLocks noChangeArrowheads="1"/>
+            </p:cNvSpPr>
+            <p:nvPr>
+              <p:extLst>
+                <p:ext uri="{386F3935-93C4-4BCD-93E2-E3B085C9AB24}">
+                  <p16:designElem xmlns:p16="http://schemas.microsoft.com/office/powerpoint/2015/main" val="1"/>
+                </p:ext>
+              </p:extLst>
+            </p:nvPr>
+          </p:nvSpPr>
+          <p:spPr bwMode="auto">
+            <a:xfrm>
+              <a:off x="133350" y="4662488"/>
+              <a:ext cx="23813" cy="2181225"/>
+            </a:xfrm>
+            <a:prstGeom prst="rect">
+              <a:avLst/>
+            </a:prstGeom>
+            <a:grpFill/>
+            <a:ln>
+              <a:noFill/>
+            </a:ln>
+            <a:extLst>
+              <a:ext uri="{91240B29-F687-4f45-9708-019B960494DF}">
+                <a14:hiddenLine xmlns="" xmlns:a16="http://schemas.microsoft.com/office/drawing/2014/main" xmlns:p14="http://schemas.microsoft.com/office/powerpoint/2010/main" xmlns:a14="http://schemas.microsoft.com/office/drawing/2010/main" w="9525">
+                  <a:solidFill>
+                    <a:srgbClr val="000000"/>
+                  </a:solidFill>
+                  <a:miter lim="800000"/>
+                  <a:headEnd/>
+                  <a:tailEnd/>
+                </a14:hiddenLine>
+              </a:ext>
+            </a:extLst>
+          </p:spPr>
+        </p:sp>
+        <p:sp>
+          <p:nvSpPr>
+            <p:cNvPr id="30" name="Freeform 22">
+              <a:extLst>
+                <a:ext uri="{FF2B5EF4-FFF2-40B4-BE49-F238E27FC236}">
+                  <a16:creationId xmlns:a16="http://schemas.microsoft.com/office/drawing/2014/main" id="{ED67811C-F735-441C-98A6-2517EC099AFD}"/>
+                </a:ext>
+                <a:ext uri="{C183D7F6-B498-43B3-948B-1728B52AA6E4}">
+                  <adec:decorative xmlns:adec="http://schemas.microsoft.com/office/drawing/2017/decorative" val="1"/>
+                </a:ext>
+              </a:extLst>
+            </p:cNvPr>
+            <p:cNvSpPr/>
+            <p:nvPr>
+              <p:extLst>
+                <p:ext uri="{386F3935-93C4-4BCD-93E2-E3B085C9AB24}">
+                  <p16:designElem xmlns:p16="http://schemas.microsoft.com/office/powerpoint/2015/main" val="1"/>
+                </p:ext>
+              </p:extLst>
+            </p:nvPr>
+          </p:nvSpPr>
+          <p:spPr bwMode="auto">
+            <a:xfrm>
+              <a:off x="223837" y="5041900"/>
+              <a:ext cx="369888" cy="1801813"/>
+            </a:xfrm>
+            <a:custGeom>
+              <a:avLst/>
+              <a:gdLst/>
+              <a:ahLst/>
+              <a:cxnLst/>
+              <a:rect l="0" t="0" r="r" b="b"/>
+              <a:pathLst>
+                <a:path w="233" h="1135">
+                  <a:moveTo>
+                    <a:pt x="15" y="1135"/>
+                  </a:moveTo>
+                  <a:lnTo>
+                    <a:pt x="0" y="1135"/>
+                  </a:lnTo>
+                  <a:lnTo>
+                    <a:pt x="0" y="515"/>
+                  </a:lnTo>
+                  <a:lnTo>
+                    <a:pt x="0" y="512"/>
+                  </a:lnTo>
+                  <a:lnTo>
+                    <a:pt x="218" y="0"/>
+                  </a:lnTo>
+                  <a:lnTo>
+                    <a:pt x="233" y="6"/>
+                  </a:lnTo>
+                  <a:lnTo>
+                    <a:pt x="15" y="518"/>
+                  </a:lnTo>
+                  <a:lnTo>
+                    <a:pt x="15" y="1135"/>
+                  </a:lnTo>
+                  <a:close/>
+                </a:path>
+              </a:pathLst>
+            </a:custGeom>
+            <a:grpFill/>
+            <a:ln>
+              <a:noFill/>
+            </a:ln>
+            <a:extLst>
+              <a:ext uri="{91240B29-F687-4f45-9708-019B960494DF}">
+                <a14:hiddenLine xmlns="" xmlns:a16="http://schemas.microsoft.com/office/drawing/2014/main" xmlns:p14="http://schemas.microsoft.com/office/powerpoint/2010/main" xmlns:a14="http://schemas.microsoft.com/office/drawing/2010/main" w="9525">
+                  <a:solidFill>
+                    <a:srgbClr val="000000"/>
+                  </a:solidFill>
+                  <a:round/>
+                  <a:headEnd/>
+                  <a:tailEnd/>
+                </a14:hiddenLine>
+              </a:ext>
+            </a:extLst>
+          </p:spPr>
+        </p:sp>
+        <p:sp>
+          <p:nvSpPr>
+            <p:cNvPr id="31" name="Freeform 23">
+              <a:extLst>
+                <a:ext uri="{FF2B5EF4-FFF2-40B4-BE49-F238E27FC236}">
+                  <a16:creationId xmlns:a16="http://schemas.microsoft.com/office/drawing/2014/main" id="{3070FC44-32F9-470F-A131-868F3F1DB72F}"/>
+                </a:ext>
+                <a:ext uri="{C183D7F6-B498-43B3-948B-1728B52AA6E4}">
+                  <adec:decorative xmlns:adec="http://schemas.microsoft.com/office/drawing/2017/decorative" val="1"/>
+                </a:ext>
+              </a:extLst>
+            </p:cNvPr>
+            <p:cNvSpPr>
+              <a:spLocks noEditPoints="1"/>
+            </p:cNvSpPr>
+            <p:nvPr>
+              <p:extLst>
+                <p:ext uri="{386F3935-93C4-4BCD-93E2-E3B085C9AB24}">
+                  <p16:designElem xmlns:p16="http://schemas.microsoft.com/office/powerpoint/2015/main" val="1"/>
+                </p:ext>
+              </p:extLst>
+            </p:nvPr>
+          </p:nvSpPr>
+          <p:spPr bwMode="auto">
+            <a:xfrm>
+              <a:off x="52387" y="4481513"/>
+              <a:ext cx="190500" cy="190500"/>
+            </a:xfrm>
+            <a:custGeom>
+              <a:avLst/>
+              <a:gdLst/>
+              <a:ahLst/>
+              <a:cxnLst/>
+              <a:rect l="0" t="0" r="r" b="b"/>
+              <a:pathLst>
+                <a:path w="40" h="40">
+                  <a:moveTo>
+                    <a:pt x="20" y="40"/>
+                  </a:moveTo>
+                  <a:cubicBezTo>
+                    <a:pt x="9" y="40"/>
+                    <a:pt x="0" y="31"/>
+                    <a:pt x="0" y="20"/>
+                  </a:cubicBezTo>
+                  <a:cubicBezTo>
+                    <a:pt x="0" y="9"/>
+                    <a:pt x="9" y="0"/>
+                    <a:pt x="20" y="0"/>
+                  </a:cubicBezTo>
+                  <a:cubicBezTo>
+                    <a:pt x="31" y="0"/>
+                    <a:pt x="40" y="9"/>
+                    <a:pt x="40" y="20"/>
+                  </a:cubicBezTo>
+                  <a:cubicBezTo>
+                    <a:pt x="40" y="31"/>
+                    <a:pt x="31" y="40"/>
+                    <a:pt x="20" y="40"/>
+                  </a:cubicBezTo>
+                  <a:close/>
+                  <a:moveTo>
+                    <a:pt x="20" y="4"/>
+                  </a:moveTo>
+                  <a:cubicBezTo>
+                    <a:pt x="11" y="4"/>
+                    <a:pt x="4" y="11"/>
+                    <a:pt x="4" y="20"/>
+                  </a:cubicBezTo>
+                  <a:cubicBezTo>
+                    <a:pt x="4" y="29"/>
+                    <a:pt x="11" y="36"/>
+                    <a:pt x="20" y="36"/>
+                  </a:cubicBezTo>
+                  <a:cubicBezTo>
+                    <a:pt x="28" y="36"/>
+                    <a:pt x="36" y="29"/>
+                    <a:pt x="36" y="20"/>
+                  </a:cubicBezTo>
+                  <a:cubicBezTo>
+                    <a:pt x="36" y="11"/>
+                    <a:pt x="28" y="4"/>
+                    <a:pt x="20" y="4"/>
+                  </a:cubicBezTo>
+                  <a:close/>
+                </a:path>
+              </a:pathLst>
+            </a:custGeom>
+            <a:grpFill/>
+            <a:ln>
+              <a:noFill/>
+            </a:ln>
+            <a:extLst>
+              <a:ext uri="{91240B29-F687-4f45-9708-019B960494DF}">
+                <a14:hiddenLine xmlns="" xmlns:a16="http://schemas.microsoft.com/office/drawing/2014/main" xmlns:p14="http://schemas.microsoft.com/office/powerpoint/2010/main" xmlns:a14="http://schemas.microsoft.com/office/drawing/2010/main" w="9525">
+                  <a:solidFill>
+                    <a:srgbClr val="000000"/>
+                  </a:solidFill>
+                  <a:round/>
+                  <a:headEnd/>
+                  <a:tailEnd/>
+                </a14:hiddenLine>
+              </a:ext>
+            </a:extLst>
+          </p:spPr>
+        </p:sp>
+        <p:sp>
+          <p:nvSpPr>
+            <p:cNvPr id="32" name="Freeform 24">
+              <a:extLst>
+                <a:ext uri="{FF2B5EF4-FFF2-40B4-BE49-F238E27FC236}">
+                  <a16:creationId xmlns:a16="http://schemas.microsoft.com/office/drawing/2014/main" id="{95FB52C7-C779-4E3F-978C-4595FEF868F5}"/>
+                </a:ext>
+                <a:ext uri="{C183D7F6-B498-43B3-948B-1728B52AA6E4}">
+                  <adec:decorative xmlns:adec="http://schemas.microsoft.com/office/drawing/2017/decorative" val="1"/>
+                </a:ext>
+              </a:extLst>
+            </p:cNvPr>
+            <p:cNvSpPr/>
+            <p:nvPr>
+              <p:extLst>
+                <p:ext uri="{386F3935-93C4-4BCD-93E2-E3B085C9AB24}">
+                  <p16:designElem xmlns:p16="http://schemas.microsoft.com/office/powerpoint/2015/main" val="1"/>
+                </p:ext>
+              </p:extLst>
+            </p:nvPr>
+          </p:nvSpPr>
+          <p:spPr bwMode="auto">
+            <a:xfrm>
+              <a:off x="-14288" y="5627688"/>
+              <a:ext cx="85725" cy="1216025"/>
+            </a:xfrm>
+            <a:custGeom>
+              <a:avLst/>
+              <a:gdLst/>
+              <a:ahLst/>
+              <a:cxnLst/>
+              <a:rect l="0" t="0" r="r" b="b"/>
+              <a:pathLst>
+                <a:path w="54" h="766">
+                  <a:moveTo>
+                    <a:pt x="54" y="766"/>
+                  </a:moveTo>
+                  <a:lnTo>
+                    <a:pt x="36" y="766"/>
+                  </a:lnTo>
+                  <a:lnTo>
+                    <a:pt x="36" y="149"/>
+                  </a:lnTo>
+                  <a:lnTo>
+                    <a:pt x="0" y="3"/>
+                  </a:lnTo>
+                  <a:lnTo>
+                    <a:pt x="18" y="0"/>
+                  </a:lnTo>
+                  <a:lnTo>
+                    <a:pt x="54" y="146"/>
+                  </a:lnTo>
+                  <a:lnTo>
+                    <a:pt x="54" y="766"/>
+                  </a:lnTo>
+                  <a:close/>
+                </a:path>
+              </a:pathLst>
+            </a:custGeom>
+            <a:grpFill/>
+            <a:ln>
+              <a:noFill/>
+            </a:ln>
+            <a:extLst>
+              <a:ext uri="{91240B29-F687-4f45-9708-019B960494DF}">
+                <a14:hiddenLine xmlns="" xmlns:a16="http://schemas.microsoft.com/office/drawing/2014/main" xmlns:p14="http://schemas.microsoft.com/office/powerpoint/2010/main" xmlns:a14="http://schemas.microsoft.com/office/drawing/2010/main" w="9525">
+                  <a:solidFill>
+                    <a:srgbClr val="000000"/>
+                  </a:solidFill>
+                  <a:round/>
+                  <a:headEnd/>
+                  <a:tailEnd/>
+                </a14:hiddenLine>
+              </a:ext>
+            </a:extLst>
+          </p:spPr>
+        </p:sp>
+        <p:sp>
+          <p:nvSpPr>
+            <p:cNvPr id="33" name="Freeform 25">
+              <a:extLst>
+                <a:ext uri="{FF2B5EF4-FFF2-40B4-BE49-F238E27FC236}">
+                  <a16:creationId xmlns:a16="http://schemas.microsoft.com/office/drawing/2014/main" id="{D4EB1759-62AC-4B24-9DC6-E4F8737E8984}"/>
+                </a:ext>
+                <a:ext uri="{C183D7F6-B498-43B3-948B-1728B52AA6E4}">
+                  <adec:decorative xmlns:adec="http://schemas.microsoft.com/office/drawing/2017/decorative" val="1"/>
+                </a:ext>
+              </a:extLst>
+            </p:cNvPr>
+            <p:cNvSpPr>
+              <a:spLocks noEditPoints="1"/>
+            </p:cNvSpPr>
+            <p:nvPr>
+              <p:extLst>
+                <p:ext uri="{386F3935-93C4-4BCD-93E2-E3B085C9AB24}">
+                  <p16:designElem xmlns:p16="http://schemas.microsoft.com/office/powerpoint/2015/main" val="1"/>
+                </p:ext>
+              </p:extLst>
+            </p:nvPr>
+          </p:nvSpPr>
+          <p:spPr bwMode="auto">
+            <a:xfrm>
+              <a:off x="527050" y="4867275"/>
+              <a:ext cx="190500" cy="188913"/>
+            </a:xfrm>
+            <a:custGeom>
+              <a:avLst/>
+              <a:gdLst/>
+              <a:ahLst/>
+              <a:cxnLst/>
+              <a:rect l="0" t="0" r="r" b="b"/>
+              <a:pathLst>
+                <a:path w="40" h="40">
+                  <a:moveTo>
+                    <a:pt x="20" y="40"/>
+                  </a:moveTo>
+                  <a:cubicBezTo>
+                    <a:pt x="9" y="40"/>
+                    <a:pt x="0" y="31"/>
+                    <a:pt x="0" y="20"/>
+                  </a:cubicBezTo>
+                  <a:cubicBezTo>
+                    <a:pt x="0" y="9"/>
+                    <a:pt x="9" y="0"/>
+                    <a:pt x="20" y="0"/>
+                  </a:cubicBezTo>
+                  <a:cubicBezTo>
+                    <a:pt x="31" y="0"/>
+                    <a:pt x="40" y="9"/>
+                    <a:pt x="40" y="20"/>
+                  </a:cubicBezTo>
+                  <a:cubicBezTo>
+                    <a:pt x="40" y="31"/>
+                    <a:pt x="31" y="40"/>
+                    <a:pt x="20" y="40"/>
+                  </a:cubicBezTo>
+                  <a:close/>
+                  <a:moveTo>
+                    <a:pt x="20" y="4"/>
+                  </a:moveTo>
+                  <a:cubicBezTo>
+                    <a:pt x="11" y="4"/>
+                    <a:pt x="4" y="11"/>
+                    <a:pt x="4" y="20"/>
+                  </a:cubicBezTo>
+                  <a:cubicBezTo>
+                    <a:pt x="4" y="29"/>
+                    <a:pt x="11" y="36"/>
+                    <a:pt x="20" y="36"/>
+                  </a:cubicBezTo>
+                  <a:cubicBezTo>
+                    <a:pt x="29" y="36"/>
+                    <a:pt x="36" y="29"/>
+                    <a:pt x="36" y="20"/>
+                  </a:cubicBezTo>
+                  <a:cubicBezTo>
+                    <a:pt x="36" y="11"/>
+                    <a:pt x="29" y="4"/>
+                    <a:pt x="20" y="4"/>
+                  </a:cubicBezTo>
+                  <a:close/>
+                </a:path>
+              </a:pathLst>
+            </a:custGeom>
+            <a:grpFill/>
+            <a:ln>
+              <a:noFill/>
+            </a:ln>
+            <a:extLst>
+              <a:ext uri="{91240B29-F687-4f45-9708-019B960494DF}">
+                <a14:hiddenLine xmlns="" xmlns:a16="http://schemas.microsoft.com/office/drawing/2014/main" xmlns:p14="http://schemas.microsoft.com/office/powerpoint/2010/main" xmlns:a14="http://schemas.microsoft.com/office/drawing/2010/main" w="9525">
+                  <a:solidFill>
+                    <a:srgbClr val="000000"/>
+                  </a:solidFill>
+                  <a:round/>
+                  <a:headEnd/>
+                  <a:tailEnd/>
+                </a14:hiddenLine>
+              </a:ext>
+            </a:extLst>
+          </p:spPr>
+        </p:sp>
+        <p:sp>
+          <p:nvSpPr>
+            <p:cNvPr id="34" name="Freeform 26">
+              <a:extLst>
+                <a:ext uri="{FF2B5EF4-FFF2-40B4-BE49-F238E27FC236}">
+                  <a16:creationId xmlns:a16="http://schemas.microsoft.com/office/drawing/2014/main" id="{7BF6FB39-864B-4F58-86E8-790E16FB3CD7}"/>
+                </a:ext>
+                <a:ext uri="{C183D7F6-B498-43B3-948B-1728B52AA6E4}">
+                  <adec:decorative xmlns:adec="http://schemas.microsoft.com/office/drawing/2017/decorative" val="1"/>
+                </a:ext>
+              </a:extLst>
+            </p:cNvPr>
+            <p:cNvSpPr/>
+            <p:nvPr>
+              <p:extLst>
+                <p:ext uri="{386F3935-93C4-4BCD-93E2-E3B085C9AB24}">
+                  <p16:designElem xmlns:p16="http://schemas.microsoft.com/office/powerpoint/2015/main" val="1"/>
+                </p:ext>
+              </p:extLst>
+            </p:nvPr>
+          </p:nvSpPr>
+          <p:spPr bwMode="auto">
+            <a:xfrm>
+              <a:off x="309562" y="5422900"/>
+              <a:ext cx="374650" cy="1425575"/>
+            </a:xfrm>
+            <a:custGeom>
+              <a:avLst/>
+              <a:gdLst/>
+              <a:ahLst/>
+              <a:cxnLst/>
+              <a:rect l="0" t="0" r="r" b="b"/>
+              <a:pathLst>
+                <a:path w="236" h="898">
+                  <a:moveTo>
+                    <a:pt x="18" y="898"/>
+                  </a:moveTo>
+                  <a:lnTo>
+                    <a:pt x="0" y="898"/>
+                  </a:lnTo>
+                  <a:lnTo>
+                    <a:pt x="0" y="515"/>
+                  </a:lnTo>
+                  <a:lnTo>
+                    <a:pt x="3" y="512"/>
+                  </a:lnTo>
+                  <a:lnTo>
+                    <a:pt x="221" y="0"/>
+                  </a:lnTo>
+                  <a:lnTo>
+                    <a:pt x="236" y="6"/>
+                  </a:lnTo>
+                  <a:lnTo>
+                    <a:pt x="18" y="518"/>
+                  </a:lnTo>
+                  <a:lnTo>
+                    <a:pt x="18" y="898"/>
+                  </a:lnTo>
+                  <a:close/>
+                </a:path>
+              </a:pathLst>
+            </a:custGeom>
+            <a:grpFill/>
+            <a:ln>
+              <a:noFill/>
+            </a:ln>
+            <a:extLst>
+              <a:ext uri="{91240B29-F687-4f45-9708-019B960494DF}">
+                <a14:hiddenLine xmlns="" xmlns:a16="http://schemas.microsoft.com/office/drawing/2014/main" xmlns:p14="http://schemas.microsoft.com/office/powerpoint/2010/main" xmlns:a14="http://schemas.microsoft.com/office/drawing/2010/main" w="9525">
+                  <a:solidFill>
+                    <a:srgbClr val="000000"/>
+                  </a:solidFill>
+                  <a:round/>
+                  <a:headEnd/>
+                  <a:tailEnd/>
+                </a14:hiddenLine>
+              </a:ext>
+            </a:extLst>
+          </p:spPr>
+        </p:sp>
+        <p:sp>
+          <p:nvSpPr>
+            <p:cNvPr id="35" name="Freeform 27">
+              <a:extLst>
+                <a:ext uri="{FF2B5EF4-FFF2-40B4-BE49-F238E27FC236}">
+                  <a16:creationId xmlns:a16="http://schemas.microsoft.com/office/drawing/2014/main" id="{5FE4FA46-B51C-43DA-87FC-2644ED117A01}"/>
+                </a:ext>
+                <a:ext uri="{C183D7F6-B498-43B3-948B-1728B52AA6E4}">
+                  <adec:decorative xmlns:adec="http://schemas.microsoft.com/office/drawing/2017/decorative" val="1"/>
+                </a:ext>
+              </a:extLst>
+            </p:cNvPr>
+            <p:cNvSpPr/>
+            <p:nvPr>
+              <p:extLst>
+                <p:ext uri="{386F3935-93C4-4BCD-93E2-E3B085C9AB24}">
+                  <p16:designElem xmlns:p16="http://schemas.microsoft.com/office/powerpoint/2015/main" val="1"/>
+                </p:ext>
+              </p:extLst>
+            </p:nvPr>
+          </p:nvSpPr>
+          <p:spPr bwMode="auto">
+            <a:xfrm>
+              <a:off x="569912" y="5945188"/>
+              <a:ext cx="152400" cy="912813"/>
+            </a:xfrm>
+            <a:custGeom>
+              <a:avLst/>
+              <a:gdLst/>
+              <a:ahLst/>
+              <a:cxnLst/>
+              <a:rect l="0" t="0" r="r" b="b"/>
+              <a:pathLst>
+                <a:path w="96" h="575">
+                  <a:moveTo>
+                    <a:pt x="15" y="575"/>
+                  </a:moveTo>
+                  <a:lnTo>
+                    <a:pt x="0" y="569"/>
+                  </a:lnTo>
+                  <a:lnTo>
+                    <a:pt x="81" y="383"/>
+                  </a:lnTo>
+                  <a:lnTo>
+                    <a:pt x="81" y="0"/>
+                  </a:lnTo>
+                  <a:lnTo>
+                    <a:pt x="96" y="0"/>
+                  </a:lnTo>
+                  <a:lnTo>
+                    <a:pt x="96" y="386"/>
+                  </a:lnTo>
+                  <a:lnTo>
+                    <a:pt x="15" y="575"/>
+                  </a:lnTo>
+                  <a:close/>
+                </a:path>
+              </a:pathLst>
+            </a:custGeom>
+            <a:grpFill/>
+            <a:ln>
+              <a:noFill/>
+            </a:ln>
+            <a:extLst>
+              <a:ext uri="{91240B29-F687-4f45-9708-019B960494DF}">
+                <a14:hiddenLine xmlns="" xmlns:a16="http://schemas.microsoft.com/office/drawing/2014/main" xmlns:p14="http://schemas.microsoft.com/office/powerpoint/2010/main" xmlns:a14="http://schemas.microsoft.com/office/drawing/2010/main" w="9525">
+                  <a:solidFill>
+                    <a:srgbClr val="000000"/>
+                  </a:solidFill>
+                  <a:round/>
+                  <a:headEnd/>
+                  <a:tailEnd/>
+                </a14:hiddenLine>
+              </a:ext>
+            </a:extLst>
+          </p:spPr>
+        </p:sp>
+        <p:sp>
+          <p:nvSpPr>
+            <p:cNvPr id="36" name="Freeform 28">
+              <a:extLst>
+                <a:ext uri="{FF2B5EF4-FFF2-40B4-BE49-F238E27FC236}">
+                  <a16:creationId xmlns:a16="http://schemas.microsoft.com/office/drawing/2014/main" id="{25DD1322-2D3A-4E7B-B23B-B4F96E02C29F}"/>
+                </a:ext>
+                <a:ext uri="{C183D7F6-B498-43B3-948B-1728B52AA6E4}">
+                  <adec:decorative xmlns:adec="http://schemas.microsoft.com/office/drawing/2017/decorative" val="1"/>
+                </a:ext>
+              </a:extLst>
+            </p:cNvPr>
+            <p:cNvSpPr>
+              <a:spLocks noEditPoints="1"/>
+            </p:cNvSpPr>
+            <p:nvPr>
+              <p:extLst>
+                <p:ext uri="{386F3935-93C4-4BCD-93E2-E3B085C9AB24}">
+                  <p16:designElem xmlns:p16="http://schemas.microsoft.com/office/powerpoint/2015/main" val="1"/>
+                </p:ext>
+              </p:extLst>
+            </p:nvPr>
+          </p:nvSpPr>
+          <p:spPr bwMode="auto">
+            <a:xfrm>
+              <a:off x="612775" y="5246688"/>
+              <a:ext cx="190500" cy="190500"/>
+            </a:xfrm>
+            <a:custGeom>
+              <a:avLst/>
+              <a:gdLst/>
+              <a:ahLst/>
+              <a:cxnLst/>
+              <a:rect l="0" t="0" r="r" b="b"/>
+              <a:pathLst>
+                <a:path w="40" h="40">
+                  <a:moveTo>
+                    <a:pt x="20" y="40"/>
+                  </a:moveTo>
+                  <a:cubicBezTo>
+                    <a:pt x="9" y="40"/>
+                    <a:pt x="0" y="31"/>
+                    <a:pt x="0" y="20"/>
+                  </a:cubicBezTo>
+                  <a:cubicBezTo>
+                    <a:pt x="0" y="9"/>
+                    <a:pt x="9" y="0"/>
+                    <a:pt x="20" y="0"/>
+                  </a:cubicBezTo>
+                  <a:cubicBezTo>
+                    <a:pt x="31" y="0"/>
+                    <a:pt x="40" y="9"/>
+                    <a:pt x="40" y="20"/>
+                  </a:cubicBezTo>
+                  <a:cubicBezTo>
+                    <a:pt x="40" y="31"/>
+                    <a:pt x="31" y="40"/>
+                    <a:pt x="20" y="40"/>
+                  </a:cubicBezTo>
+                  <a:close/>
+                  <a:moveTo>
+                    <a:pt x="20" y="4"/>
+                  </a:moveTo>
+                  <a:cubicBezTo>
+                    <a:pt x="12" y="4"/>
+                    <a:pt x="4" y="11"/>
+                    <a:pt x="4" y="20"/>
+                  </a:cubicBezTo>
+                  <a:cubicBezTo>
+                    <a:pt x="4" y="29"/>
+                    <a:pt x="12" y="36"/>
+                    <a:pt x="20" y="36"/>
+                  </a:cubicBezTo>
+                  <a:cubicBezTo>
+                    <a:pt x="29" y="36"/>
+                    <a:pt x="36" y="29"/>
+                    <a:pt x="36" y="20"/>
+                  </a:cubicBezTo>
+                  <a:cubicBezTo>
+                    <a:pt x="36" y="11"/>
+                    <a:pt x="29" y="4"/>
+                    <a:pt x="20" y="4"/>
+                  </a:cubicBezTo>
+                  <a:close/>
+                </a:path>
+              </a:pathLst>
+            </a:custGeom>
+            <a:grpFill/>
+            <a:ln>
+              <a:noFill/>
+            </a:ln>
+            <a:extLst>
+              <a:ext uri="{91240B29-F687-4f45-9708-019B960494DF}">
+                <a14:hiddenLine xmlns="" xmlns:a16="http://schemas.microsoft.com/office/drawing/2014/main" xmlns:p14="http://schemas.microsoft.com/office/powerpoint/2010/main" xmlns:a14="http://schemas.microsoft.com/office/drawing/2010/main" w="9525">
+                  <a:solidFill>
+                    <a:srgbClr val="000000"/>
+                  </a:solidFill>
+                  <a:round/>
+                  <a:headEnd/>
+                  <a:tailEnd/>
+                </a14:hiddenLine>
+              </a:ext>
+            </a:extLst>
+          </p:spPr>
+        </p:sp>
+        <p:sp>
+          <p:nvSpPr>
+            <p:cNvPr id="37" name="Freeform 29">
+              <a:extLst>
+                <a:ext uri="{FF2B5EF4-FFF2-40B4-BE49-F238E27FC236}">
+                  <a16:creationId xmlns:a16="http://schemas.microsoft.com/office/drawing/2014/main" id="{6E4FFBEB-52BB-494D-AD99-A0F072AB6F35}"/>
+                </a:ext>
+                <a:ext uri="{C183D7F6-B498-43B3-948B-1728B52AA6E4}">
+                  <adec:decorative xmlns:adec="http://schemas.microsoft.com/office/drawing/2017/decorative" val="1"/>
+                </a:ext>
+              </a:extLst>
+            </p:cNvPr>
+            <p:cNvSpPr>
+              <a:spLocks noEditPoints="1"/>
+            </p:cNvSpPr>
+            <p:nvPr>
+              <p:extLst>
+                <p:ext uri="{386F3935-93C4-4BCD-93E2-E3B085C9AB24}">
+                  <p16:designElem xmlns:p16="http://schemas.microsoft.com/office/powerpoint/2015/main" val="1"/>
+                </p:ext>
+              </p:extLst>
+            </p:nvPr>
+          </p:nvSpPr>
+          <p:spPr bwMode="auto">
+            <a:xfrm>
+              <a:off x="612775" y="5764213"/>
+              <a:ext cx="190500" cy="190500"/>
+            </a:xfrm>
+            <a:custGeom>
+              <a:avLst/>
+              <a:gdLst/>
+              <a:ahLst/>
+              <a:cxnLst/>
+              <a:rect l="0" t="0" r="r" b="b"/>
+              <a:pathLst>
+                <a:path w="40" h="40">
+                  <a:moveTo>
+                    <a:pt x="20" y="40"/>
+                  </a:moveTo>
+                  <a:cubicBezTo>
+                    <a:pt x="9" y="40"/>
+                    <a:pt x="0" y="31"/>
+                    <a:pt x="0" y="20"/>
+                  </a:cubicBezTo>
+                  <a:cubicBezTo>
+                    <a:pt x="0" y="9"/>
+                    <a:pt x="9" y="0"/>
+                    <a:pt x="20" y="0"/>
+                  </a:cubicBezTo>
+                  <a:cubicBezTo>
+                    <a:pt x="31" y="0"/>
+                    <a:pt x="40" y="9"/>
+                    <a:pt x="40" y="20"/>
+                  </a:cubicBezTo>
+                  <a:cubicBezTo>
+                    <a:pt x="40" y="31"/>
+                    <a:pt x="31" y="40"/>
+                    <a:pt x="20" y="40"/>
+                  </a:cubicBezTo>
+                  <a:close/>
+                  <a:moveTo>
+                    <a:pt x="20" y="4"/>
+                  </a:moveTo>
+                  <a:cubicBezTo>
+                    <a:pt x="12" y="4"/>
+                    <a:pt x="4" y="11"/>
+                    <a:pt x="4" y="20"/>
+                  </a:cubicBezTo>
+                  <a:cubicBezTo>
+                    <a:pt x="4" y="29"/>
+                    <a:pt x="12" y="36"/>
+                    <a:pt x="20" y="36"/>
+                  </a:cubicBezTo>
+                  <a:cubicBezTo>
+                    <a:pt x="29" y="36"/>
+                    <a:pt x="36" y="29"/>
+                    <a:pt x="36" y="20"/>
+                  </a:cubicBezTo>
+                  <a:cubicBezTo>
+                    <a:pt x="36" y="11"/>
+                    <a:pt x="29" y="4"/>
+                    <a:pt x="20" y="4"/>
+                  </a:cubicBezTo>
+                  <a:close/>
+                </a:path>
+              </a:pathLst>
+            </a:custGeom>
+            <a:grpFill/>
+            <a:ln>
+              <a:noFill/>
+            </a:ln>
+            <a:extLst>
+              <a:ext uri="{91240B29-F687-4f45-9708-019B960494DF}">
+                <a14:hiddenLine xmlns="" xmlns:a16="http://schemas.microsoft.com/office/drawing/2014/main" xmlns:p14="http://schemas.microsoft.com/office/powerpoint/2010/main" xmlns:a14="http://schemas.microsoft.com/office/drawing/2010/main" w="9525">
+                  <a:solidFill>
+                    <a:srgbClr val="000000"/>
+                  </a:solidFill>
+                  <a:round/>
+                  <a:headEnd/>
+                  <a:tailEnd/>
+                </a14:hiddenLine>
+              </a:ext>
+            </a:extLst>
+          </p:spPr>
+        </p:sp>
+        <p:sp>
+          <p:nvSpPr>
+            <p:cNvPr id="38" name="Freeform 30">
+              <a:extLst>
+                <a:ext uri="{FF2B5EF4-FFF2-40B4-BE49-F238E27FC236}">
+                  <a16:creationId xmlns:a16="http://schemas.microsoft.com/office/drawing/2014/main" id="{7DE92406-3F65-4333-BAAA-A9A7B5AEE911}"/>
+                </a:ext>
+                <a:ext uri="{C183D7F6-B498-43B3-948B-1728B52AA6E4}">
+                  <adec:decorative xmlns:adec="http://schemas.microsoft.com/office/drawing/2017/decorative" val="1"/>
+                </a:ext>
+              </a:extLst>
+            </p:cNvPr>
+            <p:cNvSpPr/>
+            <p:nvPr>
+              <p:extLst>
+                <p:ext uri="{386F3935-93C4-4BCD-93E2-E3B085C9AB24}">
+                  <p16:designElem xmlns:p16="http://schemas.microsoft.com/office/powerpoint/2015/main" val="1"/>
+                </p:ext>
+              </p:extLst>
+            </p:nvPr>
+          </p:nvSpPr>
+          <p:spPr bwMode="auto">
+            <a:xfrm>
+              <a:off x="669925" y="6330950"/>
+              <a:ext cx="417513" cy="517525"/>
+            </a:xfrm>
+            <a:custGeom>
+              <a:avLst/>
+              <a:gdLst/>
+              <a:ahLst/>
+              <a:cxnLst/>
+              <a:rect l="0" t="0" r="r" b="b"/>
+              <a:pathLst>
+                <a:path w="263" h="326">
+                  <a:moveTo>
+                    <a:pt x="15" y="326"/>
+                  </a:moveTo>
+                  <a:lnTo>
+                    <a:pt x="0" y="320"/>
+                  </a:lnTo>
+                  <a:lnTo>
+                    <a:pt x="45" y="206"/>
+                  </a:lnTo>
+                  <a:lnTo>
+                    <a:pt x="48" y="206"/>
+                  </a:lnTo>
+                  <a:lnTo>
+                    <a:pt x="254" y="0"/>
+                  </a:lnTo>
+                  <a:lnTo>
+                    <a:pt x="263" y="12"/>
+                  </a:lnTo>
+                  <a:lnTo>
+                    <a:pt x="60" y="215"/>
+                  </a:lnTo>
+                  <a:lnTo>
+                    <a:pt x="15" y="326"/>
+                  </a:lnTo>
+                  <a:close/>
+                </a:path>
+              </a:pathLst>
+            </a:custGeom>
+            <a:grpFill/>
+            <a:ln>
+              <a:noFill/>
+            </a:ln>
+            <a:extLst>
+              <a:ext uri="{91240B29-F687-4f45-9708-019B960494DF}">
+                <a14:hiddenLine xmlns="" xmlns:a16="http://schemas.microsoft.com/office/drawing/2014/main" xmlns:p14="http://schemas.microsoft.com/office/powerpoint/2010/main" xmlns:a14="http://schemas.microsoft.com/office/drawing/2010/main" w="9525">
+                  <a:solidFill>
+                    <a:srgbClr val="000000"/>
+                  </a:solidFill>
+                  <a:round/>
+                  <a:headEnd/>
+                  <a:tailEnd/>
+                </a14:hiddenLine>
+              </a:ext>
+            </a:extLst>
+          </p:spPr>
+        </p:sp>
+        <p:sp>
+          <p:nvSpPr>
+            <p:cNvPr id="39" name="Freeform 31">
+              <a:extLst>
+                <a:ext uri="{FF2B5EF4-FFF2-40B4-BE49-F238E27FC236}">
+                  <a16:creationId xmlns:a16="http://schemas.microsoft.com/office/drawing/2014/main" id="{B8B0FFC4-D1BB-4BB9-A224-BB78BFD33801}"/>
+                </a:ext>
+                <a:ext uri="{C183D7F6-B498-43B3-948B-1728B52AA6E4}">
+                  <adec:decorative xmlns:adec="http://schemas.microsoft.com/office/drawing/2017/decorative" val="1"/>
+                </a:ext>
+              </a:extLst>
+            </p:cNvPr>
+            <p:cNvSpPr>
+              <a:spLocks noEditPoints="1"/>
+            </p:cNvSpPr>
+            <p:nvPr>
+              <p:extLst>
+                <p:ext uri="{386F3935-93C4-4BCD-93E2-E3B085C9AB24}">
+                  <p16:designElem xmlns:p16="http://schemas.microsoft.com/office/powerpoint/2015/main" val="1"/>
+                </p:ext>
+              </p:extLst>
+            </p:nvPr>
+          </p:nvSpPr>
+          <p:spPr bwMode="auto">
+            <a:xfrm>
+              <a:off x="1049337" y="6221413"/>
+              <a:ext cx="157163" cy="147638"/>
+            </a:xfrm>
+            <a:custGeom>
+              <a:avLst/>
+              <a:gdLst/>
+              <a:ahLst/>
+              <a:cxnLst/>
+              <a:rect l="0" t="0" r="r" b="b"/>
+              <a:pathLst>
+                <a:path w="33" h="31">
+                  <a:moveTo>
+                    <a:pt x="16" y="31"/>
+                  </a:moveTo>
+                  <a:cubicBezTo>
+                    <a:pt x="12" y="31"/>
+                    <a:pt x="8" y="29"/>
+                    <a:pt x="5" y="26"/>
+                  </a:cubicBezTo>
+                  <a:cubicBezTo>
+                    <a:pt x="2" y="24"/>
+                    <a:pt x="0" y="20"/>
+                    <a:pt x="0" y="15"/>
+                  </a:cubicBezTo>
+                  <a:cubicBezTo>
+                    <a:pt x="0" y="11"/>
+                    <a:pt x="2" y="7"/>
+                    <a:pt x="5" y="4"/>
+                  </a:cubicBezTo>
+                  <a:cubicBezTo>
+                    <a:pt x="8" y="1"/>
+                    <a:pt x="12" y="0"/>
+                    <a:pt x="16" y="0"/>
+                  </a:cubicBezTo>
+                  <a:cubicBezTo>
+                    <a:pt x="20" y="0"/>
+                    <a:pt x="24" y="1"/>
+                    <a:pt x="27" y="4"/>
+                  </a:cubicBezTo>
+                  <a:cubicBezTo>
+                    <a:pt x="33" y="10"/>
+                    <a:pt x="33" y="20"/>
+                    <a:pt x="27" y="26"/>
+                  </a:cubicBezTo>
+                  <a:cubicBezTo>
+                    <a:pt x="24" y="29"/>
+                    <a:pt x="20" y="31"/>
+                    <a:pt x="16" y="31"/>
+                  </a:cubicBezTo>
+                  <a:close/>
+                  <a:moveTo>
+                    <a:pt x="16" y="4"/>
+                  </a:moveTo>
+                  <a:cubicBezTo>
+                    <a:pt x="13" y="4"/>
+                    <a:pt x="10" y="5"/>
+                    <a:pt x="8" y="7"/>
+                  </a:cubicBezTo>
+                  <a:cubicBezTo>
+                    <a:pt x="6" y="9"/>
+                    <a:pt x="4" y="12"/>
+                    <a:pt x="4" y="15"/>
+                  </a:cubicBezTo>
+                  <a:cubicBezTo>
+                    <a:pt x="4" y="19"/>
+                    <a:pt x="6" y="21"/>
+                    <a:pt x="8" y="24"/>
+                  </a:cubicBezTo>
+                  <a:cubicBezTo>
+                    <a:pt x="10" y="26"/>
+                    <a:pt x="13" y="27"/>
+                    <a:pt x="16" y="27"/>
+                  </a:cubicBezTo>
+                  <a:cubicBezTo>
+                    <a:pt x="19" y="27"/>
+                    <a:pt x="22" y="26"/>
+                    <a:pt x="24" y="24"/>
+                  </a:cubicBezTo>
+                  <a:cubicBezTo>
+                    <a:pt x="29" y="19"/>
+                    <a:pt x="29" y="12"/>
+                    <a:pt x="24" y="7"/>
+                  </a:cubicBezTo>
+                  <a:cubicBezTo>
+                    <a:pt x="22" y="5"/>
+                    <a:pt x="19" y="4"/>
+                    <a:pt x="16" y="4"/>
+                  </a:cubicBezTo>
+                  <a:close/>
+                </a:path>
+              </a:pathLst>
+            </a:custGeom>
+            <a:grpFill/>
+            <a:ln>
+              <a:noFill/>
+            </a:ln>
+            <a:extLst>
+              <a:ext uri="{91240B29-F687-4f45-9708-019B960494DF}">
+                <a14:hiddenLine xmlns="" xmlns:a16="http://schemas.microsoft.com/office/drawing/2014/main" xmlns:p14="http://schemas.microsoft.com/office/powerpoint/2010/main" xmlns:a14="http://schemas.microsoft.com/office/drawing/2010/main" w="9525">
+                  <a:solidFill>
+                    <a:srgbClr val="000000"/>
+                  </a:solidFill>
+                  <a:round/>
+                  <a:headEnd/>
+                  <a:tailEnd/>
+                </a14:hiddenLine>
+              </a:ext>
+            </a:extLst>
+          </p:spPr>
+        </p:sp>
+      </p:grpSp>
+      <p:sp>
+        <p:nvSpPr>
+          <p:cNvPr id="2" name="Título 1">
+            <a:extLst>
+              <a:ext uri="{FF2B5EF4-FFF2-40B4-BE49-F238E27FC236}">
+                <a16:creationId xmlns:a16="http://schemas.microsoft.com/office/drawing/2014/main" id="{F217C212-4D95-4DEE-97FA-27C475F2A961}"/>
+              </a:ext>
+            </a:extLst>
+          </p:cNvPr>
+          <p:cNvSpPr>
+            <a:spLocks noGrp="1"/>
+          </p:cNvSpPr>
+          <p:nvPr>
+            <p:ph type="title"/>
+          </p:nvPr>
+        </p:nvSpPr>
+        <p:spPr>
+          <a:xfrm>
+            <a:off x="1141411" y="748240"/>
+            <a:ext cx="9906000" cy="1117073"/>
+          </a:xfrm>
+        </p:spPr>
+        <p:txBody>
+          <a:bodyPr>
+            <a:normAutofit/>
+          </a:bodyPr>
+          <a:lstStyle/>
+          <a:p>
+            <a:pPr algn="ctr"/>
+            <a:r>
+              <a:rPr lang="pt-PT" sz="4000" dirty="0"/>
+              <a:t>Modelo espiral</a:t>
+            </a:r>
+          </a:p>
+        </p:txBody>
+      </p:sp>
+      <p:grpSp>
+        <p:nvGrpSpPr>
+          <p:cNvPr id="41" name="Group 40">
+            <a:extLst>
+              <a:ext uri="{FF2B5EF4-FFF2-40B4-BE49-F238E27FC236}">
+                <a16:creationId xmlns:a16="http://schemas.microsoft.com/office/drawing/2014/main" id="{8DB4BB99-C854-45F9-BED1-63D15E3A2411}"/>
+              </a:ext>
+              <a:ext uri="{C183D7F6-B498-43B3-948B-1728B52AA6E4}">
+                <adec:decorative xmlns:adec="http://schemas.microsoft.com/office/drawing/2017/decorative" val="1"/>
+              </a:ext>
+            </a:extLst>
+          </p:cNvPr>
+          <p:cNvGrpSpPr>
+            <a:grpSpLocks noGrp="1" noUngrp="1" noRot="1" noChangeAspect="1" noMove="1" noResize="1"/>
+          </p:cNvGrpSpPr>
+          <p:nvPr>
+            <p:extLst>
+              <p:ext uri="{386F3935-93C4-4BCD-93E2-E3B085C9AB24}">
+                <p16:designElem xmlns:p16="http://schemas.microsoft.com/office/powerpoint/2015/main" val="1"/>
+              </p:ext>
+            </p:extLst>
+          </p:nvPr>
+        </p:nvGrpSpPr>
+        <p:grpSpPr>
+          <a:xfrm>
+            <a:off x="11364912" y="0"/>
+            <a:ext cx="674688" cy="6848476"/>
+            <a:chOff x="11364912" y="0"/>
+            <a:chExt cx="674688" cy="6848476"/>
+          </a:xfrm>
+          <a:solidFill>
+            <a:schemeClr val="tx2">
+              <a:alpha val="45000"/>
+            </a:schemeClr>
+          </a:solidFill>
+        </p:grpSpPr>
+        <p:sp>
+          <p:nvSpPr>
+            <p:cNvPr id="42" name="Freeform 32">
+              <a:extLst>
+                <a:ext uri="{FF2B5EF4-FFF2-40B4-BE49-F238E27FC236}">
+                  <a16:creationId xmlns:a16="http://schemas.microsoft.com/office/drawing/2014/main" id="{5D1CCC4C-284C-4BF6-97D9-D9746746348F}"/>
+                </a:ext>
+                <a:ext uri="{C183D7F6-B498-43B3-948B-1728B52AA6E4}">
+                  <adec:decorative xmlns:adec="http://schemas.microsoft.com/office/drawing/2017/decorative" val="1"/>
+                </a:ext>
+              </a:extLst>
+            </p:cNvPr>
+            <p:cNvSpPr/>
+            <p:nvPr>
+              <p:extLst>
+                <p:ext uri="{386F3935-93C4-4BCD-93E2-E3B085C9AB24}">
+                  <p16:designElem xmlns:p16="http://schemas.microsoft.com/office/powerpoint/2015/main" val="1"/>
+                </p:ext>
+              </p:extLst>
+            </p:nvPr>
+          </p:nvSpPr>
+          <p:spPr bwMode="auto">
+            <a:xfrm>
+              <a:off x="11483975" y="0"/>
+              <a:ext cx="417513" cy="512763"/>
+            </a:xfrm>
+            <a:custGeom>
+              <a:avLst/>
+              <a:gdLst/>
+              <a:ahLst/>
+              <a:cxnLst/>
+              <a:rect l="0" t="0" r="r" b="b"/>
+              <a:pathLst>
+                <a:path w="263" h="323">
+                  <a:moveTo>
+                    <a:pt x="12" y="323"/>
+                  </a:moveTo>
+                  <a:lnTo>
+                    <a:pt x="0" y="314"/>
+                  </a:lnTo>
+                  <a:lnTo>
+                    <a:pt x="203" y="108"/>
+                  </a:lnTo>
+                  <a:lnTo>
+                    <a:pt x="248" y="0"/>
+                  </a:lnTo>
+                  <a:lnTo>
+                    <a:pt x="263" y="6"/>
+                  </a:lnTo>
+                  <a:lnTo>
+                    <a:pt x="218" y="117"/>
+                  </a:lnTo>
+                  <a:lnTo>
+                    <a:pt x="218" y="117"/>
+                  </a:lnTo>
+                  <a:lnTo>
+                    <a:pt x="12" y="323"/>
+                  </a:lnTo>
+                  <a:close/>
+                </a:path>
+              </a:pathLst>
+            </a:custGeom>
+            <a:grpFill/>
+            <a:ln>
+              <a:noFill/>
+            </a:ln>
+            <a:extLst>
+              <a:ext uri="{91240B29-F687-4f45-9708-019B960494DF}">
+                <a14:hiddenLine xmlns="" xmlns:a16="http://schemas.microsoft.com/office/drawing/2014/main" xmlns:p14="http://schemas.microsoft.com/office/powerpoint/2010/main" xmlns:a14="http://schemas.microsoft.com/office/drawing/2010/main" w="9525">
+                  <a:solidFill>
+                    <a:srgbClr val="000000"/>
+                  </a:solidFill>
+                  <a:round/>
+                  <a:headEnd/>
+                  <a:tailEnd/>
+                </a14:hiddenLine>
+              </a:ext>
+            </a:extLst>
+          </p:spPr>
+        </p:sp>
+        <p:sp>
+          <p:nvSpPr>
+            <p:cNvPr id="43" name="Freeform 33">
+              <a:extLst>
+                <a:ext uri="{FF2B5EF4-FFF2-40B4-BE49-F238E27FC236}">
+                  <a16:creationId xmlns:a16="http://schemas.microsoft.com/office/drawing/2014/main" id="{35D82D1B-EB09-4028-9107-D60B547C7B42}"/>
+                </a:ext>
+                <a:ext uri="{C183D7F6-B498-43B3-948B-1728B52AA6E4}">
+                  <adec:decorative xmlns:adec="http://schemas.microsoft.com/office/drawing/2017/decorative" val="1"/>
+                </a:ext>
+              </a:extLst>
+            </p:cNvPr>
+            <p:cNvSpPr>
+              <a:spLocks noEditPoints="1"/>
+            </p:cNvSpPr>
+            <p:nvPr>
+              <p:extLst>
+                <p:ext uri="{386F3935-93C4-4BCD-93E2-E3B085C9AB24}">
+                  <p16:designElem xmlns:p16="http://schemas.microsoft.com/office/powerpoint/2015/main" val="1"/>
+                </p:ext>
+              </p:extLst>
+            </p:nvPr>
+          </p:nvSpPr>
+          <p:spPr bwMode="auto">
+            <a:xfrm>
+              <a:off x="11364912" y="474663"/>
+              <a:ext cx="157163" cy="152400"/>
+            </a:xfrm>
+            <a:custGeom>
+              <a:avLst/>
+              <a:gdLst/>
+              <a:ahLst/>
+              <a:cxnLst/>
+              <a:rect l="0" t="0" r="r" b="b"/>
+              <a:pathLst>
+                <a:path w="33" h="32">
+                  <a:moveTo>
+                    <a:pt x="17" y="32"/>
+                  </a:moveTo>
+                  <a:cubicBezTo>
+                    <a:pt x="13" y="32"/>
+                    <a:pt x="9" y="30"/>
+                    <a:pt x="6" y="27"/>
+                  </a:cubicBezTo>
+                  <a:cubicBezTo>
+                    <a:pt x="0" y="21"/>
+                    <a:pt x="0" y="11"/>
+                    <a:pt x="6" y="5"/>
+                  </a:cubicBezTo>
+                  <a:cubicBezTo>
+                    <a:pt x="9" y="2"/>
+                    <a:pt x="13" y="0"/>
+                    <a:pt x="17" y="0"/>
+                  </a:cubicBezTo>
+                  <a:cubicBezTo>
+                    <a:pt x="21" y="0"/>
+                    <a:pt x="25" y="2"/>
+                    <a:pt x="28" y="5"/>
+                  </a:cubicBezTo>
+                  <a:cubicBezTo>
+                    <a:pt x="31" y="8"/>
+                    <a:pt x="33" y="12"/>
+                    <a:pt x="33" y="16"/>
+                  </a:cubicBezTo>
+                  <a:cubicBezTo>
+                    <a:pt x="33" y="20"/>
+                    <a:pt x="31" y="24"/>
+                    <a:pt x="28" y="27"/>
+                  </a:cubicBezTo>
+                  <a:cubicBezTo>
+                    <a:pt x="25" y="30"/>
+                    <a:pt x="21" y="32"/>
+                    <a:pt x="17" y="32"/>
+                  </a:cubicBezTo>
+                  <a:close/>
+                  <a:moveTo>
+                    <a:pt x="17" y="4"/>
+                  </a:moveTo>
+                  <a:cubicBezTo>
+                    <a:pt x="14" y="4"/>
+                    <a:pt x="11" y="6"/>
+                    <a:pt x="9" y="8"/>
+                  </a:cubicBezTo>
+                  <a:cubicBezTo>
+                    <a:pt x="4" y="12"/>
+                    <a:pt x="4" y="20"/>
+                    <a:pt x="9" y="24"/>
+                  </a:cubicBezTo>
+                  <a:cubicBezTo>
+                    <a:pt x="11" y="27"/>
+                    <a:pt x="14" y="28"/>
+                    <a:pt x="17" y="28"/>
+                  </a:cubicBezTo>
+                  <a:cubicBezTo>
+                    <a:pt x="20" y="28"/>
+                    <a:pt x="23" y="27"/>
+                    <a:pt x="26" y="24"/>
+                  </a:cubicBezTo>
+                  <a:cubicBezTo>
+                    <a:pt x="30" y="20"/>
+                    <a:pt x="30" y="12"/>
+                    <a:pt x="26" y="8"/>
+                  </a:cubicBezTo>
+                  <a:cubicBezTo>
+                    <a:pt x="23" y="6"/>
+                    <a:pt x="20" y="4"/>
+                    <a:pt x="17" y="4"/>
+                  </a:cubicBezTo>
+                  <a:close/>
+                </a:path>
+              </a:pathLst>
+            </a:custGeom>
+            <a:grpFill/>
+            <a:ln>
+              <a:noFill/>
+            </a:ln>
+            <a:extLst>
+              <a:ext uri="{91240B29-F687-4f45-9708-019B960494DF}">
+                <a14:hiddenLine xmlns="" xmlns:a16="http://schemas.microsoft.com/office/drawing/2014/main" xmlns:p14="http://schemas.microsoft.com/office/powerpoint/2010/main" xmlns:a14="http://schemas.microsoft.com/office/drawing/2010/main" w="9525">
+                  <a:solidFill>
+                    <a:srgbClr val="000000"/>
+                  </a:solidFill>
+                  <a:round/>
+                  <a:headEnd/>
+                  <a:tailEnd/>
+                </a14:hiddenLine>
+              </a:ext>
+            </a:extLst>
+          </p:spPr>
+        </p:sp>
+        <p:sp>
+          <p:nvSpPr>
+            <p:cNvPr id="44" name="Freeform 34">
+              <a:extLst>
+                <a:ext uri="{FF2B5EF4-FFF2-40B4-BE49-F238E27FC236}">
+                  <a16:creationId xmlns:a16="http://schemas.microsoft.com/office/drawing/2014/main" id="{1389EE93-8059-437E-8507-7557AD68FB1D}"/>
+                </a:ext>
+                <a:ext uri="{C183D7F6-B498-43B3-948B-1728B52AA6E4}">
+                  <adec:decorative xmlns:adec="http://schemas.microsoft.com/office/drawing/2017/decorative" val="1"/>
+                </a:ext>
+              </a:extLst>
+            </p:cNvPr>
+            <p:cNvSpPr>
+              <a:spLocks noEditPoints="1"/>
+            </p:cNvSpPr>
+            <p:nvPr>
+              <p:extLst>
+                <p:ext uri="{386F3935-93C4-4BCD-93E2-E3B085C9AB24}">
+                  <p16:designElem xmlns:p16="http://schemas.microsoft.com/office/powerpoint/2015/main" val="1"/>
+                </p:ext>
+              </p:extLst>
+            </p:nvPr>
+          </p:nvSpPr>
+          <p:spPr bwMode="auto">
+            <a:xfrm>
+              <a:off x="11631612" y="1539875"/>
+              <a:ext cx="188913" cy="190500"/>
+            </a:xfrm>
+            <a:custGeom>
+              <a:avLst/>
+              <a:gdLst/>
+              <a:ahLst/>
+              <a:cxnLst/>
+              <a:rect l="0" t="0" r="r" b="b"/>
+              <a:pathLst>
+                <a:path w="40" h="40">
+                  <a:moveTo>
+                    <a:pt x="20" y="40"/>
+                  </a:moveTo>
+                  <a:cubicBezTo>
+                    <a:pt x="9" y="40"/>
+                    <a:pt x="0" y="31"/>
+                    <a:pt x="0" y="20"/>
+                  </a:cubicBezTo>
+                  <a:cubicBezTo>
+                    <a:pt x="0" y="9"/>
+                    <a:pt x="9" y="0"/>
+                    <a:pt x="20" y="0"/>
+                  </a:cubicBezTo>
+                  <a:cubicBezTo>
+                    <a:pt x="31" y="0"/>
+                    <a:pt x="40" y="9"/>
+                    <a:pt x="40" y="20"/>
+                  </a:cubicBezTo>
+                  <a:cubicBezTo>
+                    <a:pt x="40" y="31"/>
+                    <a:pt x="31" y="40"/>
+                    <a:pt x="20" y="40"/>
+                  </a:cubicBezTo>
+                  <a:close/>
+                  <a:moveTo>
+                    <a:pt x="20" y="4"/>
+                  </a:moveTo>
+                  <a:cubicBezTo>
+                    <a:pt x="11" y="4"/>
+                    <a:pt x="4" y="11"/>
+                    <a:pt x="4" y="20"/>
+                  </a:cubicBezTo>
+                  <a:cubicBezTo>
+                    <a:pt x="4" y="29"/>
+                    <a:pt x="11" y="36"/>
+                    <a:pt x="20" y="36"/>
+                  </a:cubicBezTo>
+                  <a:cubicBezTo>
+                    <a:pt x="29" y="36"/>
+                    <a:pt x="36" y="29"/>
+                    <a:pt x="36" y="20"/>
+                  </a:cubicBezTo>
+                  <a:cubicBezTo>
+                    <a:pt x="36" y="11"/>
+                    <a:pt x="29" y="4"/>
+                    <a:pt x="20" y="4"/>
+                  </a:cubicBezTo>
+                  <a:close/>
+                </a:path>
+              </a:pathLst>
+            </a:custGeom>
+            <a:grpFill/>
+            <a:ln>
+              <a:noFill/>
+            </a:ln>
+            <a:extLst>
+              <a:ext uri="{91240B29-F687-4f45-9708-019B960494DF}">
+                <a14:hiddenLine xmlns="" xmlns:a16="http://schemas.microsoft.com/office/drawing/2014/main" xmlns:p14="http://schemas.microsoft.com/office/powerpoint/2010/main" xmlns:a14="http://schemas.microsoft.com/office/drawing/2010/main" w="9525">
+                  <a:solidFill>
+                    <a:srgbClr val="000000"/>
+                  </a:solidFill>
+                  <a:round/>
+                  <a:headEnd/>
+                  <a:tailEnd/>
+                </a14:hiddenLine>
+              </a:ext>
+            </a:extLst>
+          </p:spPr>
+        </p:sp>
+        <p:sp>
+          <p:nvSpPr>
+            <p:cNvPr id="45" name="Freeform 35">
+              <a:extLst>
+                <a:ext uri="{FF2B5EF4-FFF2-40B4-BE49-F238E27FC236}">
+                  <a16:creationId xmlns:a16="http://schemas.microsoft.com/office/drawing/2014/main" id="{377C05DC-75FF-4426-A34F-DBF0C7E7BEF4}"/>
+                </a:ext>
+                <a:ext uri="{C183D7F6-B498-43B3-948B-1728B52AA6E4}">
+                  <adec:decorative xmlns:adec="http://schemas.microsoft.com/office/drawing/2017/decorative" val="1"/>
+                </a:ext>
+              </a:extLst>
+            </p:cNvPr>
+            <p:cNvSpPr/>
+            <p:nvPr>
+              <p:extLst>
+                <p:ext uri="{386F3935-93C4-4BCD-93E2-E3B085C9AB24}">
+                  <p16:designElem xmlns:p16="http://schemas.microsoft.com/office/powerpoint/2015/main" val="1"/>
+                </p:ext>
+              </p:extLst>
+            </p:nvPr>
+          </p:nvSpPr>
+          <p:spPr bwMode="auto">
+            <a:xfrm>
+              <a:off x="11531600" y="5694363"/>
+              <a:ext cx="298450" cy="1154113"/>
+            </a:xfrm>
+            <a:custGeom>
+              <a:avLst/>
+              <a:gdLst/>
+              <a:ahLst/>
+              <a:cxnLst/>
+              <a:rect l="0" t="0" r="r" b="b"/>
+              <a:pathLst>
+                <a:path w="188" h="727">
+                  <a:moveTo>
+                    <a:pt x="15" y="727"/>
+                  </a:moveTo>
+                  <a:lnTo>
+                    <a:pt x="0" y="727"/>
+                  </a:lnTo>
+                  <a:lnTo>
+                    <a:pt x="0" y="407"/>
+                  </a:lnTo>
+                  <a:lnTo>
+                    <a:pt x="0" y="407"/>
+                  </a:lnTo>
+                  <a:lnTo>
+                    <a:pt x="176" y="0"/>
+                  </a:lnTo>
+                  <a:lnTo>
+                    <a:pt x="188" y="6"/>
+                  </a:lnTo>
+                  <a:lnTo>
+                    <a:pt x="15" y="410"/>
+                  </a:lnTo>
+                  <a:lnTo>
+                    <a:pt x="15" y="727"/>
+                  </a:lnTo>
+                  <a:close/>
+                </a:path>
+              </a:pathLst>
+            </a:custGeom>
+            <a:grpFill/>
+            <a:ln>
+              <a:noFill/>
+            </a:ln>
+            <a:extLst>
+              <a:ext uri="{91240B29-F687-4f45-9708-019B960494DF}">
+                <a14:hiddenLine xmlns="" xmlns:a16="http://schemas.microsoft.com/office/drawing/2014/main" xmlns:p14="http://schemas.microsoft.com/office/powerpoint/2010/main" xmlns:a14="http://schemas.microsoft.com/office/drawing/2010/main" w="9525">
+                  <a:solidFill>
+                    <a:srgbClr val="000000"/>
+                  </a:solidFill>
+                  <a:round/>
+                  <a:headEnd/>
+                  <a:tailEnd/>
+                </a14:hiddenLine>
+              </a:ext>
+            </a:extLst>
+          </p:spPr>
+        </p:sp>
+        <p:sp>
+          <p:nvSpPr>
+            <p:cNvPr id="46" name="Freeform 36">
+              <a:extLst>
+                <a:ext uri="{FF2B5EF4-FFF2-40B4-BE49-F238E27FC236}">
+                  <a16:creationId xmlns:a16="http://schemas.microsoft.com/office/drawing/2014/main" id="{03D385C8-866D-437D-91B1-2E3ECDD88E59}"/>
+                </a:ext>
+                <a:ext uri="{C183D7F6-B498-43B3-948B-1728B52AA6E4}">
+                  <adec:decorative xmlns:adec="http://schemas.microsoft.com/office/drawing/2017/decorative" val="1"/>
+                </a:ext>
+              </a:extLst>
+            </p:cNvPr>
+            <p:cNvSpPr>
+              <a:spLocks noEditPoints="1"/>
+            </p:cNvSpPr>
+            <p:nvPr>
+              <p:extLst>
+                <p:ext uri="{386F3935-93C4-4BCD-93E2-E3B085C9AB24}">
+                  <p16:designElem xmlns:p16="http://schemas.microsoft.com/office/powerpoint/2015/main" val="1"/>
+                </p:ext>
+              </p:extLst>
+            </p:nvPr>
+          </p:nvSpPr>
+          <p:spPr bwMode="auto">
+            <a:xfrm>
+              <a:off x="11772900" y="5551488"/>
+              <a:ext cx="157163" cy="155575"/>
+            </a:xfrm>
+            <a:custGeom>
+              <a:avLst/>
+              <a:gdLst/>
+              <a:ahLst/>
+              <a:cxnLst/>
+              <a:rect l="0" t="0" r="r" b="b"/>
+              <a:pathLst>
+                <a:path w="33" h="33">
+                  <a:moveTo>
+                    <a:pt x="17" y="33"/>
+                  </a:moveTo>
+                  <a:cubicBezTo>
+                    <a:pt x="8" y="33"/>
+                    <a:pt x="0" y="25"/>
+                    <a:pt x="0" y="16"/>
+                  </a:cubicBezTo>
+                  <a:cubicBezTo>
+                    <a:pt x="0" y="7"/>
+                    <a:pt x="8" y="0"/>
+                    <a:pt x="17" y="0"/>
+                  </a:cubicBezTo>
+                  <a:cubicBezTo>
+                    <a:pt x="26" y="0"/>
+                    <a:pt x="33" y="7"/>
+                    <a:pt x="33" y="16"/>
+                  </a:cubicBezTo>
+                  <a:cubicBezTo>
+                    <a:pt x="33" y="25"/>
+                    <a:pt x="26" y="33"/>
+                    <a:pt x="17" y="33"/>
+                  </a:cubicBezTo>
+                  <a:close/>
+                  <a:moveTo>
+                    <a:pt x="17" y="4"/>
+                  </a:moveTo>
+                  <a:cubicBezTo>
+                    <a:pt x="10" y="4"/>
+                    <a:pt x="4" y="9"/>
+                    <a:pt x="4" y="16"/>
+                  </a:cubicBezTo>
+                  <a:cubicBezTo>
+                    <a:pt x="4" y="23"/>
+                    <a:pt x="10" y="29"/>
+                    <a:pt x="17" y="29"/>
+                  </a:cubicBezTo>
+                  <a:cubicBezTo>
+                    <a:pt x="23" y="29"/>
+                    <a:pt x="29" y="23"/>
+                    <a:pt x="29" y="16"/>
+                  </a:cubicBezTo>
+                  <a:cubicBezTo>
+                    <a:pt x="29" y="9"/>
+                    <a:pt x="23" y="4"/>
+                    <a:pt x="17" y="4"/>
+                  </a:cubicBezTo>
+                  <a:close/>
+                </a:path>
+              </a:pathLst>
+            </a:custGeom>
+            <a:grpFill/>
+            <a:ln>
+              <a:noFill/>
+            </a:ln>
+            <a:extLst>
+              <a:ext uri="{91240B29-F687-4f45-9708-019B960494DF}">
+                <a14:hiddenLine xmlns="" xmlns:a16="http://schemas.microsoft.com/office/drawing/2014/main" xmlns:p14="http://schemas.microsoft.com/office/powerpoint/2010/main" xmlns:a14="http://schemas.microsoft.com/office/drawing/2010/main" w="9525">
+                  <a:solidFill>
+                    <a:srgbClr val="000000"/>
+                  </a:solidFill>
+                  <a:round/>
+                  <a:headEnd/>
+                  <a:tailEnd/>
+                </a14:hiddenLine>
+              </a:ext>
+            </a:extLst>
+          </p:spPr>
+        </p:sp>
+        <p:sp>
+          <p:nvSpPr>
+            <p:cNvPr id="47" name="Freeform 37">
+              <a:extLst>
+                <a:ext uri="{FF2B5EF4-FFF2-40B4-BE49-F238E27FC236}">
+                  <a16:creationId xmlns:a16="http://schemas.microsoft.com/office/drawing/2014/main" id="{3F649CBB-748F-4C79-A14F-C531C40B08BB}"/>
+                </a:ext>
+                <a:ext uri="{C183D7F6-B498-43B3-948B-1728B52AA6E4}">
+                  <adec:decorative xmlns:adec="http://schemas.microsoft.com/office/drawing/2017/decorative" val="1"/>
+                </a:ext>
+              </a:extLst>
+            </p:cNvPr>
+            <p:cNvSpPr/>
+            <p:nvPr>
+              <p:extLst>
+                <p:ext uri="{386F3935-93C4-4BCD-93E2-E3B085C9AB24}">
+                  <p16:designElem xmlns:p16="http://schemas.microsoft.com/office/powerpoint/2015/main" val="1"/>
+                </p:ext>
+              </p:extLst>
+            </p:nvPr>
+          </p:nvSpPr>
+          <p:spPr bwMode="auto">
+            <a:xfrm>
+              <a:off x="11710987" y="4763"/>
+              <a:ext cx="304800" cy="1544638"/>
+            </a:xfrm>
+            <a:custGeom>
+              <a:avLst/>
+              <a:gdLst/>
+              <a:ahLst/>
+              <a:cxnLst/>
+              <a:rect l="0" t="0" r="r" b="b"/>
+              <a:pathLst>
+                <a:path w="192" h="973">
+                  <a:moveTo>
+                    <a:pt x="15" y="973"/>
+                  </a:moveTo>
+                  <a:lnTo>
+                    <a:pt x="0" y="973"/>
+                  </a:lnTo>
+                  <a:lnTo>
+                    <a:pt x="0" y="790"/>
+                  </a:lnTo>
+                  <a:lnTo>
+                    <a:pt x="174" y="614"/>
+                  </a:lnTo>
+                  <a:lnTo>
+                    <a:pt x="174" y="0"/>
+                  </a:lnTo>
+                  <a:lnTo>
+                    <a:pt x="192" y="0"/>
+                  </a:lnTo>
+                  <a:lnTo>
+                    <a:pt x="192" y="620"/>
+                  </a:lnTo>
+                  <a:lnTo>
+                    <a:pt x="15" y="796"/>
+                  </a:lnTo>
+                  <a:lnTo>
+                    <a:pt x="15" y="973"/>
+                  </a:lnTo>
+                  <a:close/>
+                </a:path>
+              </a:pathLst>
+            </a:custGeom>
+            <a:grpFill/>
+            <a:ln>
+              <a:noFill/>
+            </a:ln>
+            <a:extLst>
+              <a:ext uri="{91240B29-F687-4f45-9708-019B960494DF}">
+                <a14:hiddenLine xmlns="" xmlns:a16="http://schemas.microsoft.com/office/drawing/2014/main" xmlns:p14="http://schemas.microsoft.com/office/powerpoint/2010/main" xmlns:a14="http://schemas.microsoft.com/office/drawing/2010/main" w="9525">
+                  <a:solidFill>
+                    <a:srgbClr val="000000"/>
+                  </a:solidFill>
+                  <a:round/>
+                  <a:headEnd/>
+                  <a:tailEnd/>
+                </a14:hiddenLine>
+              </a:ext>
+            </a:extLst>
+          </p:spPr>
+        </p:sp>
+        <p:sp>
+          <p:nvSpPr>
+            <p:cNvPr id="48" name="Freeform 38">
+              <a:extLst>
+                <a:ext uri="{FF2B5EF4-FFF2-40B4-BE49-F238E27FC236}">
+                  <a16:creationId xmlns:a16="http://schemas.microsoft.com/office/drawing/2014/main" id="{7F4622C0-84AF-41F1-9128-FE73CADD36F2}"/>
+                </a:ext>
+                <a:ext uri="{C183D7F6-B498-43B3-948B-1728B52AA6E4}">
+                  <adec:decorative xmlns:adec="http://schemas.microsoft.com/office/drawing/2017/decorative" val="1"/>
+                </a:ext>
+              </a:extLst>
+            </p:cNvPr>
+            <p:cNvSpPr>
+              <a:spLocks noEditPoints="1"/>
+            </p:cNvSpPr>
+            <p:nvPr>
+              <p:extLst>
+                <p:ext uri="{386F3935-93C4-4BCD-93E2-E3B085C9AB24}">
+                  <p16:designElem xmlns:p16="http://schemas.microsoft.com/office/powerpoint/2015/main" val="1"/>
+                </p:ext>
+              </p:extLst>
+            </p:nvPr>
+          </p:nvSpPr>
+          <p:spPr bwMode="auto">
+            <a:xfrm>
+              <a:off x="11636375" y="4867275"/>
+              <a:ext cx="188913" cy="188913"/>
+            </a:xfrm>
+            <a:custGeom>
+              <a:avLst/>
+              <a:gdLst/>
+              <a:ahLst/>
+              <a:cxnLst/>
+              <a:rect l="0" t="0" r="r" b="b"/>
+              <a:pathLst>
+                <a:path w="40" h="40">
+                  <a:moveTo>
+                    <a:pt x="20" y="40"/>
+                  </a:moveTo>
+                  <a:cubicBezTo>
+                    <a:pt x="9" y="40"/>
+                    <a:pt x="0" y="31"/>
+                    <a:pt x="0" y="20"/>
+                  </a:cubicBezTo>
+                  <a:cubicBezTo>
+                    <a:pt x="0" y="9"/>
+                    <a:pt x="9" y="0"/>
+                    <a:pt x="20" y="0"/>
+                  </a:cubicBezTo>
+                  <a:cubicBezTo>
+                    <a:pt x="31" y="0"/>
+                    <a:pt x="40" y="9"/>
+                    <a:pt x="40" y="20"/>
+                  </a:cubicBezTo>
+                  <a:cubicBezTo>
+                    <a:pt x="40" y="31"/>
+                    <a:pt x="31" y="40"/>
+                    <a:pt x="20" y="40"/>
+                  </a:cubicBezTo>
+                  <a:close/>
+                  <a:moveTo>
+                    <a:pt x="20" y="4"/>
+                  </a:moveTo>
+                  <a:cubicBezTo>
+                    <a:pt x="11" y="4"/>
+                    <a:pt x="4" y="11"/>
+                    <a:pt x="4" y="20"/>
+                  </a:cubicBezTo>
+                  <a:cubicBezTo>
+                    <a:pt x="4" y="29"/>
+                    <a:pt x="11" y="36"/>
+                    <a:pt x="20" y="36"/>
+                  </a:cubicBezTo>
+                  <a:cubicBezTo>
+                    <a:pt x="29" y="36"/>
+                    <a:pt x="36" y="29"/>
+                    <a:pt x="36" y="20"/>
+                  </a:cubicBezTo>
+                  <a:cubicBezTo>
+                    <a:pt x="36" y="11"/>
+                    <a:pt x="29" y="4"/>
+                    <a:pt x="20" y="4"/>
+                  </a:cubicBezTo>
+                  <a:close/>
+                </a:path>
+              </a:pathLst>
+            </a:custGeom>
+            <a:grpFill/>
+            <a:ln>
+              <a:noFill/>
+            </a:ln>
+            <a:extLst>
+              <a:ext uri="{91240B29-F687-4f45-9708-019B960494DF}">
+                <a14:hiddenLine xmlns="" xmlns:a16="http://schemas.microsoft.com/office/drawing/2014/main" xmlns:p14="http://schemas.microsoft.com/office/powerpoint/2010/main" xmlns:a14="http://schemas.microsoft.com/office/drawing/2010/main" w="9525">
+                  <a:solidFill>
+                    <a:srgbClr val="000000"/>
+                  </a:solidFill>
+                  <a:round/>
+                  <a:headEnd/>
+                  <a:tailEnd/>
+                </a14:hiddenLine>
+              </a:ext>
+            </a:extLst>
+          </p:spPr>
+        </p:sp>
+        <p:sp>
+          <p:nvSpPr>
+            <p:cNvPr id="49" name="Freeform 39">
+              <a:extLst>
+                <a:ext uri="{FF2B5EF4-FFF2-40B4-BE49-F238E27FC236}">
+                  <a16:creationId xmlns:a16="http://schemas.microsoft.com/office/drawing/2014/main" id="{CC6F29C1-A471-4CDE-8C21-E4B15C5EF47A}"/>
+                </a:ext>
+                <a:ext uri="{C183D7F6-B498-43B3-948B-1728B52AA6E4}">
+                  <adec:decorative xmlns:adec="http://schemas.microsoft.com/office/drawing/2017/decorative" val="1"/>
+                </a:ext>
+              </a:extLst>
+            </p:cNvPr>
+            <p:cNvSpPr/>
+            <p:nvPr>
+              <p:extLst>
+                <p:ext uri="{386F3935-93C4-4BCD-93E2-E3B085C9AB24}">
+                  <p16:designElem xmlns:p16="http://schemas.microsoft.com/office/powerpoint/2015/main" val="1"/>
+                </p:ext>
+              </p:extLst>
+            </p:nvPr>
+          </p:nvSpPr>
+          <p:spPr bwMode="auto">
+            <a:xfrm>
+              <a:off x="11441112" y="5046663"/>
+              <a:ext cx="307975" cy="1801813"/>
+            </a:xfrm>
+            <a:custGeom>
+              <a:avLst/>
+              <a:gdLst/>
+              <a:ahLst/>
+              <a:cxnLst/>
+              <a:rect l="0" t="0" r="r" b="b"/>
+              <a:pathLst>
+                <a:path w="194" h="1135">
+                  <a:moveTo>
+                    <a:pt x="18" y="1135"/>
+                  </a:moveTo>
+                  <a:lnTo>
+                    <a:pt x="0" y="1135"/>
+                  </a:lnTo>
+                  <a:lnTo>
+                    <a:pt x="0" y="354"/>
+                  </a:lnTo>
+                  <a:lnTo>
+                    <a:pt x="176" y="177"/>
+                  </a:lnTo>
+                  <a:lnTo>
+                    <a:pt x="176" y="0"/>
+                  </a:lnTo>
+                  <a:lnTo>
+                    <a:pt x="194" y="0"/>
+                  </a:lnTo>
+                  <a:lnTo>
+                    <a:pt x="194" y="183"/>
+                  </a:lnTo>
+                  <a:lnTo>
+                    <a:pt x="18" y="360"/>
+                  </a:lnTo>
+                  <a:lnTo>
+                    <a:pt x="18" y="1135"/>
+                  </a:lnTo>
+                  <a:close/>
+                </a:path>
+              </a:pathLst>
+            </a:custGeom>
+            <a:grpFill/>
+            <a:ln>
+              <a:noFill/>
+            </a:ln>
+            <a:extLst>
+              <a:ext uri="{91240B29-F687-4f45-9708-019B960494DF}">
+                <a14:hiddenLine xmlns="" xmlns:a16="http://schemas.microsoft.com/office/drawing/2014/main" xmlns:p14="http://schemas.microsoft.com/office/powerpoint/2010/main" xmlns:a14="http://schemas.microsoft.com/office/drawing/2010/main" w="9525">
+                  <a:solidFill>
+                    <a:srgbClr val="000000"/>
+                  </a:solidFill>
+                  <a:round/>
+                  <a:headEnd/>
+                  <a:tailEnd/>
+                </a14:hiddenLine>
+              </a:ext>
+            </a:extLst>
+          </p:spPr>
+        </p:sp>
+        <p:sp>
+          <p:nvSpPr>
+            <p:cNvPr id="50" name="Freeform 40">
+              <a:extLst>
+                <a:ext uri="{FF2B5EF4-FFF2-40B4-BE49-F238E27FC236}">
+                  <a16:creationId xmlns:a16="http://schemas.microsoft.com/office/drawing/2014/main" id="{67F5B7DA-86C7-4AE0-96B6-D7F5AA51E21C}"/>
+                </a:ext>
+                <a:ext uri="{C183D7F6-B498-43B3-948B-1728B52AA6E4}">
+                  <adec:decorative xmlns:adec="http://schemas.microsoft.com/office/drawing/2017/decorative" val="1"/>
+                </a:ext>
+              </a:extLst>
+            </p:cNvPr>
+            <p:cNvSpPr>
+              <a:spLocks noEditPoints="1"/>
+            </p:cNvSpPr>
+            <p:nvPr>
+              <p:extLst>
+                <p:ext uri="{386F3935-93C4-4BCD-93E2-E3B085C9AB24}">
+                  <p16:designElem xmlns:p16="http://schemas.microsoft.com/office/powerpoint/2015/main" val="1"/>
+                </p:ext>
+              </p:extLst>
+            </p:nvPr>
+          </p:nvSpPr>
+          <p:spPr bwMode="auto">
+            <a:xfrm>
+              <a:off x="11849100" y="6416675"/>
+              <a:ext cx="190500" cy="188913"/>
+            </a:xfrm>
+            <a:custGeom>
+              <a:avLst/>
+              <a:gdLst/>
+              <a:ahLst/>
+              <a:cxnLst/>
+              <a:rect l="0" t="0" r="r" b="b"/>
+              <a:pathLst>
+                <a:path w="40" h="40">
+                  <a:moveTo>
+                    <a:pt x="20" y="40"/>
+                  </a:moveTo>
+                  <a:cubicBezTo>
+                    <a:pt x="9" y="40"/>
+                    <a:pt x="0" y="31"/>
+                    <a:pt x="0" y="20"/>
+                  </a:cubicBezTo>
+                  <a:cubicBezTo>
+                    <a:pt x="0" y="9"/>
+                    <a:pt x="9" y="0"/>
+                    <a:pt x="20" y="0"/>
+                  </a:cubicBezTo>
+                  <a:cubicBezTo>
+                    <a:pt x="31" y="0"/>
+                    <a:pt x="40" y="9"/>
+                    <a:pt x="40" y="20"/>
+                  </a:cubicBezTo>
+                  <a:cubicBezTo>
+                    <a:pt x="40" y="31"/>
+                    <a:pt x="31" y="40"/>
+                    <a:pt x="20" y="40"/>
+                  </a:cubicBezTo>
+                  <a:close/>
+                  <a:moveTo>
+                    <a:pt x="20" y="4"/>
+                  </a:moveTo>
+                  <a:cubicBezTo>
+                    <a:pt x="12" y="4"/>
+                    <a:pt x="4" y="11"/>
+                    <a:pt x="4" y="20"/>
+                  </a:cubicBezTo>
+                  <a:cubicBezTo>
+                    <a:pt x="4" y="29"/>
+                    <a:pt x="12" y="36"/>
+                    <a:pt x="20" y="36"/>
+                  </a:cubicBezTo>
+                  <a:cubicBezTo>
+                    <a:pt x="29" y="36"/>
+                    <a:pt x="36" y="29"/>
+                    <a:pt x="36" y="20"/>
+                  </a:cubicBezTo>
+                  <a:cubicBezTo>
+                    <a:pt x="36" y="11"/>
+                    <a:pt x="29" y="4"/>
+                    <a:pt x="20" y="4"/>
+                  </a:cubicBezTo>
+                  <a:close/>
+                </a:path>
+              </a:pathLst>
+            </a:custGeom>
+            <a:grpFill/>
+            <a:ln>
+              <a:noFill/>
+            </a:ln>
+            <a:extLst>
+              <a:ext uri="{91240B29-F687-4f45-9708-019B960494DF}">
+                <a14:hiddenLine xmlns="" xmlns:a16="http://schemas.microsoft.com/office/drawing/2014/main" xmlns:p14="http://schemas.microsoft.com/office/powerpoint/2010/main" xmlns:a14="http://schemas.microsoft.com/office/drawing/2010/main" w="9525">
+                  <a:solidFill>
+                    <a:srgbClr val="000000"/>
+                  </a:solidFill>
+                  <a:round/>
+                  <a:headEnd/>
+                  <a:tailEnd/>
+                </a14:hiddenLine>
+              </a:ext>
+            </a:extLst>
+          </p:spPr>
+        </p:sp>
+        <p:sp>
+          <p:nvSpPr>
+            <p:cNvPr id="51" name="Rectangle 41">
+              <a:extLst>
+                <a:ext uri="{FF2B5EF4-FFF2-40B4-BE49-F238E27FC236}">
+                  <a16:creationId xmlns:a16="http://schemas.microsoft.com/office/drawing/2014/main" id="{0FA481E3-0439-484A-AC9B-19D58B98E49F}"/>
+                </a:ext>
+                <a:ext uri="{C183D7F6-B498-43B3-948B-1728B52AA6E4}">
+                  <adec:decorative xmlns:adec="http://schemas.microsoft.com/office/drawing/2017/decorative" val="1"/>
+                </a:ext>
+              </a:extLst>
+            </p:cNvPr>
+            <p:cNvSpPr>
+              <a:spLocks noChangeArrowheads="1"/>
+            </p:cNvSpPr>
+            <p:nvPr>
+              <p:extLst>
+                <p:ext uri="{386F3935-93C4-4BCD-93E2-E3B085C9AB24}">
+                  <p16:designElem xmlns:p16="http://schemas.microsoft.com/office/powerpoint/2015/main" val="1"/>
+                </p:ext>
+              </p:extLst>
+            </p:nvPr>
+          </p:nvSpPr>
+          <p:spPr bwMode="auto">
+            <a:xfrm>
+              <a:off x="11939587" y="6596063"/>
+              <a:ext cx="23813" cy="252413"/>
+            </a:xfrm>
+            <a:prstGeom prst="rect">
+              <a:avLst/>
+            </a:prstGeom>
+            <a:grpFill/>
+            <a:ln>
+              <a:noFill/>
+            </a:ln>
+            <a:extLst>
+              <a:ext uri="{91240B29-F687-4f45-9708-019B960494DF}">
+                <a14:hiddenLine xmlns="" xmlns:a16="http://schemas.microsoft.com/office/drawing/2014/main" xmlns:p14="http://schemas.microsoft.com/office/powerpoint/2010/main" xmlns:a14="http://schemas.microsoft.com/office/drawing/2010/main" w="9525">
+                  <a:solidFill>
+                    <a:srgbClr val="000000"/>
+                  </a:solidFill>
+                  <a:miter lim="800000"/>
+                  <a:headEnd/>
+                  <a:tailEnd/>
+                </a14:hiddenLine>
+              </a:ext>
+            </a:extLst>
+          </p:spPr>
+        </p:sp>
+      </p:grpSp>
+      <p:pic>
+        <p:nvPicPr>
+          <p:cNvPr id="52" name="Picture 5">
+            <a:extLst>
+              <a:ext uri="{FF2B5EF4-FFF2-40B4-BE49-F238E27FC236}">
+                <a16:creationId xmlns:a16="http://schemas.microsoft.com/office/drawing/2014/main" id="{CE9E2682-00EC-4104-BF23-A5725A2BAB2B}"/>
+              </a:ext>
+            </a:extLst>
+          </p:cNvPr>
+          <p:cNvPicPr>
+            <a:picLocks noChangeAspect="1" noChangeArrowheads="1"/>
+          </p:cNvPicPr>
+          <p:nvPr/>
+        </p:nvPicPr>
+        <p:blipFill>
+          <a:blip r:embed="rId4">
+            <a:extLst>
+              <a:ext uri="{28A0092B-C50C-407E-A947-70E740481C1C}">
+                <a14:useLocalDpi xmlns:a14="http://schemas.microsoft.com/office/drawing/2010/main" val="0"/>
+              </a:ext>
+            </a:extLst>
+          </a:blip>
+          <a:srcRect/>
+          <a:stretch>
+            <a:fillRect/>
+          </a:stretch>
+        </p:blipFill>
+        <p:spPr bwMode="auto">
+          <a:xfrm>
+            <a:off x="2540290" y="1382713"/>
+            <a:ext cx="7111420" cy="4708520"/>
+          </a:xfrm>
+          <a:prstGeom prst="rect">
+            <a:avLst/>
+          </a:prstGeom>
+          <a:noFill/>
+          <a:ln>
+            <a:noFill/>
+          </a:ln>
+          <a:extLst>
+            <a:ext uri="{909E8E84-426E-40DD-AFC4-6F175D3DCCD1}">
+              <a14:hiddenFill xmlns:a14="http://schemas.microsoft.com/office/drawing/2010/main">
+                <a:solidFill>
+                  <a:srgbClr val="FFFFFF"/>
+                </a:solidFill>
+              </a14:hiddenFill>
+            </a:ext>
+            <a:ext uri="{91240B29-F687-4F45-9708-019B960494DF}">
+              <a14:hiddenLine xmlns:a14="http://schemas.microsoft.com/office/drawing/2010/main" w="12700">
+                <a:solidFill>
+                  <a:srgbClr val="000000"/>
+                </a:solidFill>
+                <a:miter lim="800000"/>
+                <a:headEnd/>
+                <a:tailEnd/>
+              </a14:hiddenLine>
+            </a:ext>
+          </a:extLst>
+        </p:spPr>
+      </p:pic>
+    </p:spTree>
+    <p:extLst>
+      <p:ext uri="{BB962C8B-B14F-4D97-AF65-F5344CB8AC3E}">
+        <p14:creationId xmlns:p14="http://schemas.microsoft.com/office/powerpoint/2010/main" val="2511573909"/>
+      </p:ext>
+    </p:extLst>
+  </p:cSld>
+  <p:clrMapOvr>
+    <a:overrideClrMapping bg1="lt1" tx1="dk1" bg2="lt2" tx2="dk2" accent1="accent1" accent2="accent2" accent3="accent3" accent4="accent4" accent5="accent5" accent6="accent6" hlink="hlink" folHlink="folHlink"/>
+  </p:clrMapOvr>
+</p:sld>
+</file>
+
 <file path=ppt/theme/theme1.xml><?xml version="1.0" encoding="utf-8"?>
 <a:theme xmlns:a="http://schemas.openxmlformats.org/drawingml/2006/main" name="Circuito">
   <a:themeElements>
